--- a/report/Slide_DATN_DinhVietCuong-new.pptx
+++ b/report/Slide_DATN_DinhVietCuong-new.pptx
@@ -43218,7 +43218,7 @@
             <a:fld id="{B61BEF0D-F0BB-DE4B-95CE-6DB70DBA9567}" type="datetimeFigureOut">
               <a:rPr lang="en-US" dirty="0"/>
               <a:pPr/>
-              <a:t>11/10/2019</a:t>
+              <a:t>11/11/2019</a:t>
             </a:fld>
             <a:endParaRPr lang="en-US" dirty="0"/>
           </a:p>
@@ -43553,7 +43553,7 @@
             <a:fld id="{B61BEF0D-F0BB-DE4B-95CE-6DB70DBA9567}" type="datetimeFigureOut">
               <a:rPr lang="en-US" dirty="0"/>
               <a:pPr/>
-              <a:t>11/10/2019</a:t>
+              <a:t>11/11/2019</a:t>
             </a:fld>
             <a:endParaRPr lang="en-US" dirty="0"/>
           </a:p>
@@ -43951,7 +43951,7 @@
             <a:fld id="{B61BEF0D-F0BB-DE4B-95CE-6DB70DBA9567}" type="datetimeFigureOut">
               <a:rPr lang="en-US" dirty="0"/>
               <a:pPr/>
-              <a:t>11/10/2019</a:t>
+              <a:t>11/11/2019</a:t>
             </a:fld>
             <a:endParaRPr lang="en-US" dirty="0"/>
           </a:p>
@@ -44284,7 +44284,7 @@
             <a:fld id="{B61BEF0D-F0BB-DE4B-95CE-6DB70DBA9567}" type="datetimeFigureOut">
               <a:rPr lang="en-US" dirty="0"/>
               <a:pPr/>
-              <a:t>11/10/2019</a:t>
+              <a:t>11/11/2019</a:t>
             </a:fld>
             <a:endParaRPr lang="en-US" dirty="0"/>
           </a:p>
@@ -44601,7 +44601,7 @@
             <a:fld id="{B61BEF0D-F0BB-DE4B-95CE-6DB70DBA9567}" type="datetimeFigureOut">
               <a:rPr lang="en-US" dirty="0"/>
               <a:pPr/>
-              <a:t>11/10/2019</a:t>
+              <a:t>11/11/2019</a:t>
             </a:fld>
             <a:endParaRPr lang="en-US" dirty="0"/>
           </a:p>
@@ -44994,7 +44994,7 @@
             <a:fld id="{B61BEF0D-F0BB-DE4B-95CE-6DB70DBA9567}" type="datetimeFigureOut">
               <a:rPr lang="en-US" dirty="0"/>
               <a:pPr/>
-              <a:t>11/10/2019</a:t>
+              <a:t>11/11/2019</a:t>
             </a:fld>
             <a:endParaRPr lang="en-US" dirty="0"/>
           </a:p>
@@ -45248,7 +45248,7 @@
             <a:fld id="{B61BEF0D-F0BB-DE4B-95CE-6DB70DBA9567}" type="datetimeFigureOut">
               <a:rPr lang="en-US" dirty="0"/>
               <a:pPr/>
-              <a:t>11/10/2019</a:t>
+              <a:t>11/11/2019</a:t>
             </a:fld>
             <a:endParaRPr lang="en-US" dirty="0"/>
           </a:p>
@@ -45507,7 +45507,7 @@
             <a:fld id="{B61BEF0D-F0BB-DE4B-95CE-6DB70DBA9567}" type="datetimeFigureOut">
               <a:rPr lang="en-US" dirty="0"/>
               <a:pPr/>
-              <a:t>11/10/2019</a:t>
+              <a:t>11/11/2019</a:t>
             </a:fld>
             <a:endParaRPr lang="en-US" dirty="0"/>
           </a:p>
@@ -45766,7 +45766,7 @@
             <a:fld id="{B61BEF0D-F0BB-DE4B-95CE-6DB70DBA9567}" type="datetimeFigureOut">
               <a:rPr lang="en-US" dirty="0"/>
               <a:pPr/>
-              <a:t>11/10/2019</a:t>
+              <a:t>11/11/2019</a:t>
             </a:fld>
             <a:endParaRPr lang="en-US" dirty="0"/>
           </a:p>
@@ -46092,7 +46092,7 @@
             <a:fld id="{B61BEF0D-F0BB-DE4B-95CE-6DB70DBA9567}" type="datetimeFigureOut">
               <a:rPr lang="en-US" dirty="0"/>
               <a:pPr/>
-              <a:t>11/10/2019</a:t>
+              <a:t>11/11/2019</a:t>
             </a:fld>
             <a:endParaRPr lang="en-US" dirty="0"/>
           </a:p>
@@ -46412,7 +46412,7 @@
             <a:fld id="{B61BEF0D-F0BB-DE4B-95CE-6DB70DBA9567}" type="datetimeFigureOut">
               <a:rPr lang="en-US" dirty="0"/>
               <a:pPr/>
-              <a:t>11/10/2019</a:t>
+              <a:t>11/11/2019</a:t>
             </a:fld>
             <a:endParaRPr lang="en-US" dirty="0"/>
           </a:p>
@@ -46866,7 +46866,7 @@
             <a:fld id="{B61BEF0D-F0BB-DE4B-95CE-6DB70DBA9567}" type="datetimeFigureOut">
               <a:rPr lang="en-US" dirty="0"/>
               <a:pPr/>
-              <a:t>11/10/2019</a:t>
+              <a:t>11/11/2019</a:t>
             </a:fld>
             <a:endParaRPr lang="en-US" dirty="0"/>
           </a:p>
@@ -47068,7 +47068,7 @@
             <a:fld id="{B61BEF0D-F0BB-DE4B-95CE-6DB70DBA9567}" type="datetimeFigureOut">
               <a:rPr lang="en-US" dirty="0"/>
               <a:pPr/>
-              <a:t>11/10/2019</a:t>
+              <a:t>11/11/2019</a:t>
             </a:fld>
             <a:endParaRPr lang="en-US" dirty="0"/>
           </a:p>
@@ -47242,7 +47242,7 @@
             <a:fld id="{B61BEF0D-F0BB-DE4B-95CE-6DB70DBA9567}" type="datetimeFigureOut">
               <a:rPr lang="en-US" dirty="0"/>
               <a:pPr/>
-              <a:t>11/10/2019</a:t>
+              <a:t>11/11/2019</a:t>
             </a:fld>
             <a:endParaRPr lang="en-US" dirty="0"/>
           </a:p>
@@ -47572,7 +47572,7 @@
             <a:fld id="{B61BEF0D-F0BB-DE4B-95CE-6DB70DBA9567}" type="datetimeFigureOut">
               <a:rPr lang="en-US" dirty="0"/>
               <a:pPr/>
-              <a:t>11/10/2019</a:t>
+              <a:t>11/11/2019</a:t>
             </a:fld>
             <a:endParaRPr lang="en-US" dirty="0"/>
           </a:p>
@@ -47914,7 +47914,7 @@
             <a:fld id="{B61BEF0D-F0BB-DE4B-95CE-6DB70DBA9567}" type="datetimeFigureOut">
               <a:rPr lang="en-US" dirty="0"/>
               <a:pPr/>
-              <a:t>11/10/2019</a:t>
+              <a:t>11/11/2019</a:t>
             </a:fld>
             <a:endParaRPr lang="en-US" dirty="0"/>
           </a:p>
@@ -50028,7 +50028,7 @@
             <a:fld id="{B61BEF0D-F0BB-DE4B-95CE-6DB70DBA9567}" type="datetimeFigureOut">
               <a:rPr lang="en-US" dirty="0"/>
               <a:pPr/>
-              <a:t>11/10/2019</a:t>
+              <a:t>11/11/2019</a:t>
             </a:fld>
             <a:endParaRPr lang="en-US" dirty="0"/>
           </a:p>
@@ -51546,10 +51546,10 @@
       </p:graphicFrame>
       <p:pic>
         <p:nvPicPr>
-          <p:cNvPr id="2" name="Picture 1">
+          <p:cNvPr id="3" name="Picture 2">
             <a:extLst>
               <a:ext uri="{FF2B5EF4-FFF2-40B4-BE49-F238E27FC236}">
-                <a16:creationId xmlns:a16="http://schemas.microsoft.com/office/drawing/2014/main" id="{44E4CF77-95C2-474C-B83F-D1188111DF72}"/>
+                <a16:creationId xmlns:a16="http://schemas.microsoft.com/office/drawing/2014/main" id="{08C4BC1F-942D-4FE0-BECC-0C6BE93A445C}"/>
               </a:ext>
             </a:extLst>
           </p:cNvPr>
@@ -51566,12 +51566,22 @@
         </p:blipFill>
         <p:spPr>
           <a:xfrm>
-            <a:off x="5555847" y="1392194"/>
-            <a:ext cx="4840304" cy="5115650"/>
+            <a:off x="4627605" y="1461804"/>
+            <a:ext cx="5208373" cy="5179438"/>
           </a:xfrm>
           <a:prstGeom prst="rect">
             <a:avLst/>
           </a:prstGeom>
+          <a:ln>
+            <a:noFill/>
+          </a:ln>
+          <a:effectLst>
+            <a:outerShdw blurRad="190500" algn="tl" rotWithShape="0">
+              <a:srgbClr val="000000">
+                <a:alpha val="70000"/>
+              </a:srgbClr>
+            </a:outerShdw>
+          </a:effectLst>
         </p:spPr>
       </p:pic>
     </p:spTree>
@@ -51972,13 +51982,13 @@
   <p:clrMapOvr>
     <a:masterClrMapping/>
   </p:clrMapOvr>
-  <mc:AlternateContent xmlns:mc="http://schemas.openxmlformats.org/markup-compatibility/2006">
-    <mc:Choice xmlns:p14="http://schemas.microsoft.com/office/powerpoint/2010/main" Requires="p14">
+  <mc:AlternateContent xmlns:mc="http://schemas.openxmlformats.org/markup-compatibility/2006" xmlns:p14="http://schemas.microsoft.com/office/powerpoint/2010/main">
+    <mc:Choice Requires="p14">
       <p:transition spd="med" p14:dur="700">
         <p:fade/>
       </p:transition>
     </mc:Choice>
-    <mc:Fallback>
+    <mc:Fallback xmlns="">
       <p:transition spd="med">
         <p:fade/>
       </p:transition>

--- a/report/Slide_DATN_DinhVietCuong-new.pptx
+++ b/report/Slide_DATN_DinhVietCuong-new.pptx
@@ -13,8 +13,8 @@
     <p:sldId id="263" r:id="rId7"/>
     <p:sldId id="265" r:id="rId8"/>
     <p:sldId id="266" r:id="rId9"/>
-    <p:sldId id="267" r:id="rId10"/>
-    <p:sldId id="268" r:id="rId11"/>
+    <p:sldId id="268" r:id="rId10"/>
+    <p:sldId id="274" r:id="rId11"/>
     <p:sldId id="269" r:id="rId12"/>
     <p:sldId id="270" r:id="rId13"/>
     <p:sldId id="271" r:id="rId14"/>
@@ -13183,7 +13183,7 @@
               <a:latin typeface="Times New Roman" panose="02020603050405020304" pitchFamily="18" charset="0"/>
               <a:cs typeface="Times New Roman" panose="02020603050405020304" pitchFamily="18" charset="0"/>
             </a:rPr>
-            <a:t>Giao diện website</a:t>
+            <a:t>Demo website</a:t>
           </a:r>
         </a:p>
       </dgm:t>
@@ -13476,148 +13476,6 @@
 </file>
 
 <file path=ppt/diagrams/data10.xml><?xml version="1.0" encoding="utf-8"?>
-<dgm:dataModel xmlns:dgm="http://schemas.openxmlformats.org/drawingml/2006/diagram" xmlns:a="http://schemas.openxmlformats.org/drawingml/2006/main">
-  <dgm:ptLst>
-    <dgm:pt modelId="{F7ADD695-A420-447C-BB4D-16D2A4B84B2A}" type="doc">
-      <dgm:prSet loTypeId="urn:microsoft.com/office/officeart/2005/8/layout/vList2" loCatId="list" qsTypeId="urn:microsoft.com/office/officeart/2005/8/quickstyle/simple1" qsCatId="simple" csTypeId="urn:microsoft.com/office/officeart/2005/8/colors/accent1_2" csCatId="accent1" phldr="1"/>
-      <dgm:spPr/>
-      <dgm:t>
-        <a:bodyPr/>
-        <a:lstStyle/>
-        <a:p>
-          <a:endParaRPr lang="en-US"/>
-        </a:p>
-      </dgm:t>
-    </dgm:pt>
-    <dgm:pt modelId="{B57A0F3A-F1B0-42F8-B35F-E02B2D30340A}">
-      <dgm:prSet phldrT="[Text]" custT="1"/>
-      <dgm:spPr/>
-      <dgm:t>
-        <a:bodyPr/>
-        <a:lstStyle/>
-        <a:p>
-          <a:r>
-            <a:rPr lang="en-US" sz="2500">
-              <a:latin typeface="Times New Roman" panose="02020603050405020304" pitchFamily="18" charset="0"/>
-              <a:cs typeface="Times New Roman" panose="02020603050405020304" pitchFamily="18" charset="0"/>
-            </a:rPr>
-            <a:t>3. Phân tích và thiết kế hệ thống</a:t>
-          </a:r>
-        </a:p>
-      </dgm:t>
-    </dgm:pt>
-    <dgm:pt modelId="{6BFA42E1-4C05-4320-85DA-637F344A8443}" type="parTrans" cxnId="{F34258F9-7DE8-4A6F-80D6-B0E88BDA775C}">
-      <dgm:prSet/>
-      <dgm:spPr/>
-      <dgm:t>
-        <a:bodyPr/>
-        <a:lstStyle/>
-        <a:p>
-          <a:endParaRPr lang="en-US"/>
-        </a:p>
-      </dgm:t>
-    </dgm:pt>
-    <dgm:pt modelId="{8D8EC431-A6F3-4778-8613-0B3CDC27C7DC}" type="sibTrans" cxnId="{F34258F9-7DE8-4A6F-80D6-B0E88BDA775C}">
-      <dgm:prSet/>
-      <dgm:spPr/>
-      <dgm:t>
-        <a:bodyPr/>
-        <a:lstStyle/>
-        <a:p>
-          <a:endParaRPr lang="en-US"/>
-        </a:p>
-      </dgm:t>
-    </dgm:pt>
-    <dgm:pt modelId="{D7014BF4-7376-4162-8FEF-128DC6670E1F}">
-      <dgm:prSet phldrT="[Text]" custT="1"/>
-      <dgm:spPr/>
-      <dgm:t>
-        <a:bodyPr/>
-        <a:lstStyle/>
-        <a:p>
-          <a:pPr>
-            <a:buFont typeface="Arial" panose="020B0604020202020204" pitchFamily="34" charset="0"/>
-            <a:buChar char="•"/>
-          </a:pPr>
-          <a:r>
-            <a:rPr lang="en-US" sz="2300">
-              <a:latin typeface="Times New Roman" panose="02020603050405020304" pitchFamily="18" charset="0"/>
-              <a:cs typeface="Times New Roman" panose="02020603050405020304" pitchFamily="18" charset="0"/>
-            </a:rPr>
-            <a:t>Định nghĩa bài toán</a:t>
-          </a:r>
-        </a:p>
-      </dgm:t>
-    </dgm:pt>
-    <dgm:pt modelId="{87F580A0-BB79-4F00-9B3D-78E4B653C42F}" type="parTrans" cxnId="{29311EAB-4BDB-441F-B194-2937ABBF42F0}">
-      <dgm:prSet/>
-      <dgm:spPr/>
-      <dgm:t>
-        <a:bodyPr/>
-        <a:lstStyle/>
-        <a:p>
-          <a:endParaRPr lang="en-US"/>
-        </a:p>
-      </dgm:t>
-    </dgm:pt>
-    <dgm:pt modelId="{FE508685-14F2-46DE-9DA7-DA62F0E3297D}" type="sibTrans" cxnId="{29311EAB-4BDB-441F-B194-2937ABBF42F0}">
-      <dgm:prSet/>
-      <dgm:spPr/>
-      <dgm:t>
-        <a:bodyPr/>
-        <a:lstStyle/>
-        <a:p>
-          <a:endParaRPr lang="en-US"/>
-        </a:p>
-      </dgm:t>
-    </dgm:pt>
-    <dgm:pt modelId="{23FD4DD9-EBB4-4DCB-9496-D3F92C610F80}" type="pres">
-      <dgm:prSet presAssocID="{F7ADD695-A420-447C-BB4D-16D2A4B84B2A}" presName="linear" presStyleCnt="0">
-        <dgm:presLayoutVars>
-          <dgm:animLvl val="lvl"/>
-          <dgm:resizeHandles val="exact"/>
-        </dgm:presLayoutVars>
-      </dgm:prSet>
-      <dgm:spPr/>
-    </dgm:pt>
-    <dgm:pt modelId="{E7FA2778-1922-461F-9F83-8B7942076FA1}" type="pres">
-      <dgm:prSet presAssocID="{B57A0F3A-F1B0-42F8-B35F-E02B2D30340A}" presName="parentText" presStyleLbl="node1" presStyleIdx="0" presStyleCnt="1" custLinFactNeighborY="1040">
-        <dgm:presLayoutVars>
-          <dgm:chMax val="0"/>
-          <dgm:bulletEnabled val="1"/>
-        </dgm:presLayoutVars>
-      </dgm:prSet>
-      <dgm:spPr/>
-    </dgm:pt>
-    <dgm:pt modelId="{9D2713DE-4500-49CB-A684-AA18B858749B}" type="pres">
-      <dgm:prSet presAssocID="{B57A0F3A-F1B0-42F8-B35F-E02B2D30340A}" presName="childText" presStyleLbl="revTx" presStyleIdx="0" presStyleCnt="1">
-        <dgm:presLayoutVars>
-          <dgm:bulletEnabled val="1"/>
-        </dgm:presLayoutVars>
-      </dgm:prSet>
-      <dgm:spPr/>
-    </dgm:pt>
-  </dgm:ptLst>
-  <dgm:cxnLst>
-    <dgm:cxn modelId="{7A519C5B-7623-470F-9645-325EB1951BCA}" type="presOf" srcId="{B57A0F3A-F1B0-42F8-B35F-E02B2D30340A}" destId="{E7FA2778-1922-461F-9F83-8B7942076FA1}" srcOrd="0" destOrd="0" presId="urn:microsoft.com/office/officeart/2005/8/layout/vList2"/>
-    <dgm:cxn modelId="{29311EAB-4BDB-441F-B194-2937ABBF42F0}" srcId="{B57A0F3A-F1B0-42F8-B35F-E02B2D30340A}" destId="{D7014BF4-7376-4162-8FEF-128DC6670E1F}" srcOrd="0" destOrd="0" parTransId="{87F580A0-BB79-4F00-9B3D-78E4B653C42F}" sibTransId="{FE508685-14F2-46DE-9DA7-DA62F0E3297D}"/>
-    <dgm:cxn modelId="{2044DDBB-B826-4D14-9393-F1DB3280B5CD}" type="presOf" srcId="{F7ADD695-A420-447C-BB4D-16D2A4B84B2A}" destId="{23FD4DD9-EBB4-4DCB-9496-D3F92C610F80}" srcOrd="0" destOrd="0" presId="urn:microsoft.com/office/officeart/2005/8/layout/vList2"/>
-    <dgm:cxn modelId="{F34258F9-7DE8-4A6F-80D6-B0E88BDA775C}" srcId="{F7ADD695-A420-447C-BB4D-16D2A4B84B2A}" destId="{B57A0F3A-F1B0-42F8-B35F-E02B2D30340A}" srcOrd="0" destOrd="0" parTransId="{6BFA42E1-4C05-4320-85DA-637F344A8443}" sibTransId="{8D8EC431-A6F3-4778-8613-0B3CDC27C7DC}"/>
-    <dgm:cxn modelId="{3CFD25FC-5AEA-400E-A8EE-D6B79A58BB69}" type="presOf" srcId="{D7014BF4-7376-4162-8FEF-128DC6670E1F}" destId="{9D2713DE-4500-49CB-A684-AA18B858749B}" srcOrd="0" destOrd="0" presId="urn:microsoft.com/office/officeart/2005/8/layout/vList2"/>
-    <dgm:cxn modelId="{5CEFF62C-3960-449B-9A2D-5DEB9F2B11D4}" type="presParOf" srcId="{23FD4DD9-EBB4-4DCB-9496-D3F92C610F80}" destId="{E7FA2778-1922-461F-9F83-8B7942076FA1}" srcOrd="0" destOrd="0" presId="urn:microsoft.com/office/officeart/2005/8/layout/vList2"/>
-    <dgm:cxn modelId="{D69C9F15-27BE-4169-A3CD-CCB0875218A7}" type="presParOf" srcId="{23FD4DD9-EBB4-4DCB-9496-D3F92C610F80}" destId="{9D2713DE-4500-49CB-A684-AA18B858749B}" srcOrd="1" destOrd="0" presId="urn:microsoft.com/office/officeart/2005/8/layout/vList2"/>
-  </dgm:cxnLst>
-  <dgm:bg/>
-  <dgm:whole/>
-  <dgm:extLst>
-    <a:ext uri="http://schemas.microsoft.com/office/drawing/2008/diagram">
-      <dsp:dataModelExt xmlns:dsp="http://schemas.microsoft.com/office/drawing/2008/diagram" relId="rId6" minVer="http://schemas.openxmlformats.org/drawingml/2006/diagram"/>
-    </a:ext>
-  </dgm:extLst>
-</dgm:dataModel>
-</file>
-
-<file path=ppt/diagrams/data11.xml><?xml version="1.0" encoding="utf-8"?>
 <dgm:dataModel xmlns:dgm="http://schemas.openxmlformats.org/drawingml/2006/diagram" xmlns:a="http://schemas.openxmlformats.org/drawingml/2006/main">
   <dgm:ptLst>
     <dgm:pt modelId="{78819A2C-501F-4537-8EE7-E7E9167052C7}" type="doc">
@@ -14058,6 +13916,148 @@
 </dgm:dataModel>
 </file>
 
+<file path=ppt/diagrams/data11.xml><?xml version="1.0" encoding="utf-8"?>
+<dgm:dataModel xmlns:dgm="http://schemas.openxmlformats.org/drawingml/2006/diagram" xmlns:a="http://schemas.openxmlformats.org/drawingml/2006/main">
+  <dgm:ptLst>
+    <dgm:pt modelId="{F7ADD695-A420-447C-BB4D-16D2A4B84B2A}" type="doc">
+      <dgm:prSet loTypeId="urn:microsoft.com/office/officeart/2005/8/layout/vList2" loCatId="list" qsTypeId="urn:microsoft.com/office/officeart/2005/8/quickstyle/simple1" qsCatId="simple" csTypeId="urn:microsoft.com/office/officeart/2005/8/colors/accent1_2" csCatId="accent1" phldr="1"/>
+      <dgm:spPr/>
+      <dgm:t>
+        <a:bodyPr/>
+        <a:lstStyle/>
+        <a:p>
+          <a:endParaRPr lang="en-US"/>
+        </a:p>
+      </dgm:t>
+    </dgm:pt>
+    <dgm:pt modelId="{B57A0F3A-F1B0-42F8-B35F-E02B2D30340A}">
+      <dgm:prSet phldrT="[Text]" custT="1"/>
+      <dgm:spPr/>
+      <dgm:t>
+        <a:bodyPr/>
+        <a:lstStyle/>
+        <a:p>
+          <a:r>
+            <a:rPr lang="en-US" sz="2500">
+              <a:latin typeface="Times New Roman" panose="02020603050405020304" pitchFamily="18" charset="0"/>
+              <a:cs typeface="Times New Roman" panose="02020603050405020304" pitchFamily="18" charset="0"/>
+            </a:rPr>
+            <a:t>3. Phân tích và thiết kế hệ thống</a:t>
+          </a:r>
+        </a:p>
+      </dgm:t>
+    </dgm:pt>
+    <dgm:pt modelId="{6BFA42E1-4C05-4320-85DA-637F344A8443}" type="parTrans" cxnId="{F34258F9-7DE8-4A6F-80D6-B0E88BDA775C}">
+      <dgm:prSet/>
+      <dgm:spPr/>
+      <dgm:t>
+        <a:bodyPr/>
+        <a:lstStyle/>
+        <a:p>
+          <a:endParaRPr lang="en-US"/>
+        </a:p>
+      </dgm:t>
+    </dgm:pt>
+    <dgm:pt modelId="{8D8EC431-A6F3-4778-8613-0B3CDC27C7DC}" type="sibTrans" cxnId="{F34258F9-7DE8-4A6F-80D6-B0E88BDA775C}">
+      <dgm:prSet/>
+      <dgm:spPr/>
+      <dgm:t>
+        <a:bodyPr/>
+        <a:lstStyle/>
+        <a:p>
+          <a:endParaRPr lang="en-US"/>
+        </a:p>
+      </dgm:t>
+    </dgm:pt>
+    <dgm:pt modelId="{D7014BF4-7376-4162-8FEF-128DC6670E1F}">
+      <dgm:prSet phldrT="[Text]" custT="1"/>
+      <dgm:spPr/>
+      <dgm:t>
+        <a:bodyPr/>
+        <a:lstStyle/>
+        <a:p>
+          <a:pPr>
+            <a:buFont typeface="Arial" panose="020B0604020202020204" pitchFamily="34" charset="0"/>
+            <a:buChar char="•"/>
+          </a:pPr>
+          <a:r>
+            <a:rPr lang="en-US" sz="2300">
+              <a:latin typeface="Times New Roman" panose="02020603050405020304" pitchFamily="18" charset="0"/>
+              <a:cs typeface="Times New Roman" panose="02020603050405020304" pitchFamily="18" charset="0"/>
+            </a:rPr>
+            <a:t>Định nghĩa bài toán</a:t>
+          </a:r>
+        </a:p>
+      </dgm:t>
+    </dgm:pt>
+    <dgm:pt modelId="{87F580A0-BB79-4F00-9B3D-78E4B653C42F}" type="parTrans" cxnId="{29311EAB-4BDB-441F-B194-2937ABBF42F0}">
+      <dgm:prSet/>
+      <dgm:spPr/>
+      <dgm:t>
+        <a:bodyPr/>
+        <a:lstStyle/>
+        <a:p>
+          <a:endParaRPr lang="en-US"/>
+        </a:p>
+      </dgm:t>
+    </dgm:pt>
+    <dgm:pt modelId="{FE508685-14F2-46DE-9DA7-DA62F0E3297D}" type="sibTrans" cxnId="{29311EAB-4BDB-441F-B194-2937ABBF42F0}">
+      <dgm:prSet/>
+      <dgm:spPr/>
+      <dgm:t>
+        <a:bodyPr/>
+        <a:lstStyle/>
+        <a:p>
+          <a:endParaRPr lang="en-US"/>
+        </a:p>
+      </dgm:t>
+    </dgm:pt>
+    <dgm:pt modelId="{23FD4DD9-EBB4-4DCB-9496-D3F92C610F80}" type="pres">
+      <dgm:prSet presAssocID="{F7ADD695-A420-447C-BB4D-16D2A4B84B2A}" presName="linear" presStyleCnt="0">
+        <dgm:presLayoutVars>
+          <dgm:animLvl val="lvl"/>
+          <dgm:resizeHandles val="exact"/>
+        </dgm:presLayoutVars>
+      </dgm:prSet>
+      <dgm:spPr/>
+    </dgm:pt>
+    <dgm:pt modelId="{E7FA2778-1922-461F-9F83-8B7942076FA1}" type="pres">
+      <dgm:prSet presAssocID="{B57A0F3A-F1B0-42F8-B35F-E02B2D30340A}" presName="parentText" presStyleLbl="node1" presStyleIdx="0" presStyleCnt="1" custLinFactNeighborY="1040">
+        <dgm:presLayoutVars>
+          <dgm:chMax val="0"/>
+          <dgm:bulletEnabled val="1"/>
+        </dgm:presLayoutVars>
+      </dgm:prSet>
+      <dgm:spPr/>
+    </dgm:pt>
+    <dgm:pt modelId="{9D2713DE-4500-49CB-A684-AA18B858749B}" type="pres">
+      <dgm:prSet presAssocID="{B57A0F3A-F1B0-42F8-B35F-E02B2D30340A}" presName="childText" presStyleLbl="revTx" presStyleIdx="0" presStyleCnt="1">
+        <dgm:presLayoutVars>
+          <dgm:bulletEnabled val="1"/>
+        </dgm:presLayoutVars>
+      </dgm:prSet>
+      <dgm:spPr/>
+    </dgm:pt>
+  </dgm:ptLst>
+  <dgm:cxnLst>
+    <dgm:cxn modelId="{7A519C5B-7623-470F-9645-325EB1951BCA}" type="presOf" srcId="{B57A0F3A-F1B0-42F8-B35F-E02B2D30340A}" destId="{E7FA2778-1922-461F-9F83-8B7942076FA1}" srcOrd="0" destOrd="0" presId="urn:microsoft.com/office/officeart/2005/8/layout/vList2"/>
+    <dgm:cxn modelId="{29311EAB-4BDB-441F-B194-2937ABBF42F0}" srcId="{B57A0F3A-F1B0-42F8-B35F-E02B2D30340A}" destId="{D7014BF4-7376-4162-8FEF-128DC6670E1F}" srcOrd="0" destOrd="0" parTransId="{87F580A0-BB79-4F00-9B3D-78E4B653C42F}" sibTransId="{FE508685-14F2-46DE-9DA7-DA62F0E3297D}"/>
+    <dgm:cxn modelId="{2044DDBB-B826-4D14-9393-F1DB3280B5CD}" type="presOf" srcId="{F7ADD695-A420-447C-BB4D-16D2A4B84B2A}" destId="{23FD4DD9-EBB4-4DCB-9496-D3F92C610F80}" srcOrd="0" destOrd="0" presId="urn:microsoft.com/office/officeart/2005/8/layout/vList2"/>
+    <dgm:cxn modelId="{F34258F9-7DE8-4A6F-80D6-B0E88BDA775C}" srcId="{F7ADD695-A420-447C-BB4D-16D2A4B84B2A}" destId="{B57A0F3A-F1B0-42F8-B35F-E02B2D30340A}" srcOrd="0" destOrd="0" parTransId="{6BFA42E1-4C05-4320-85DA-637F344A8443}" sibTransId="{8D8EC431-A6F3-4778-8613-0B3CDC27C7DC}"/>
+    <dgm:cxn modelId="{3CFD25FC-5AEA-400E-A8EE-D6B79A58BB69}" type="presOf" srcId="{D7014BF4-7376-4162-8FEF-128DC6670E1F}" destId="{9D2713DE-4500-49CB-A684-AA18B858749B}" srcOrd="0" destOrd="0" presId="urn:microsoft.com/office/officeart/2005/8/layout/vList2"/>
+    <dgm:cxn modelId="{5CEFF62C-3960-449B-9A2D-5DEB9F2B11D4}" type="presParOf" srcId="{23FD4DD9-EBB4-4DCB-9496-D3F92C610F80}" destId="{E7FA2778-1922-461F-9F83-8B7942076FA1}" srcOrd="0" destOrd="0" presId="urn:microsoft.com/office/officeart/2005/8/layout/vList2"/>
+    <dgm:cxn modelId="{D69C9F15-27BE-4169-A3CD-CCB0875218A7}" type="presParOf" srcId="{23FD4DD9-EBB4-4DCB-9496-D3F92C610F80}" destId="{9D2713DE-4500-49CB-A684-AA18B858749B}" srcOrd="1" destOrd="0" presId="urn:microsoft.com/office/officeart/2005/8/layout/vList2"/>
+  </dgm:cxnLst>
+  <dgm:bg/>
+  <dgm:whole/>
+  <dgm:extLst>
+    <a:ext uri="http://schemas.microsoft.com/office/drawing/2008/diagram">
+      <dsp:dataModelExt xmlns:dsp="http://schemas.microsoft.com/office/drawing/2008/diagram" relId="rId6" minVer="http://schemas.openxmlformats.org/drawingml/2006/diagram"/>
+    </a:ext>
+  </dgm:extLst>
+</dgm:dataModel>
+</file>
+
 <file path=ppt/diagrams/data12.xml><?xml version="1.0" encoding="utf-8"?>
 <dgm:dataModel xmlns:dgm="http://schemas.openxmlformats.org/drawingml/2006/diagram" xmlns:a="http://schemas.openxmlformats.org/drawingml/2006/main">
   <dgm:ptLst>
@@ -14226,7 +14226,7 @@
               <a:latin typeface="Times New Roman" panose="02020603050405020304" pitchFamily="18" charset="0"/>
               <a:cs typeface="Times New Roman" panose="02020603050405020304" pitchFamily="18" charset="0"/>
             </a:rPr>
-            <a:t>4. Giao diện website</a:t>
+            <a:t>4. Demo website</a:t>
           </a:r>
         </a:p>
       </dgm:t>
@@ -16506,7 +16506,7 @@
               <a:latin typeface="Times New Roman" panose="02020603050405020304" pitchFamily="18" charset="0"/>
               <a:cs typeface="Times New Roman" panose="02020603050405020304" pitchFamily="18" charset="0"/>
             </a:rPr>
-            <a:t>2. Kiến thức chung</a:t>
+            <a:t>3. Phân tích và thiết kế hệ thống</a:t>
           </a:r>
         </a:p>
       </dgm:t>
@@ -16549,7 +16549,7 @@
               <a:latin typeface="Times New Roman" panose="02020603050405020304" pitchFamily="18" charset="0"/>
               <a:cs typeface="Times New Roman" panose="02020603050405020304" pitchFamily="18" charset="0"/>
             </a:rPr>
-            <a:t>jQuery</a:t>
+            <a:t>Định nghĩa bài toán</a:t>
           </a:r>
         </a:p>
       </dgm:t>
@@ -16586,7 +16586,7 @@
       <dgm:spPr/>
     </dgm:pt>
     <dgm:pt modelId="{E7FA2778-1922-461F-9F83-8B7942076FA1}" type="pres">
-      <dgm:prSet presAssocID="{B57A0F3A-F1B0-42F8-B35F-E02B2D30340A}" presName="parentText" presStyleLbl="node1" presStyleIdx="0" presStyleCnt="1" custLinFactNeighborX="-139" custLinFactNeighborY="-13599">
+      <dgm:prSet presAssocID="{B57A0F3A-F1B0-42F8-B35F-E02B2D30340A}" presName="parentText" presStyleLbl="node1" presStyleIdx="0" presStyleCnt="1" custLinFactNeighborY="1040">
         <dgm:presLayoutVars>
           <dgm:chMax val="0"/>
           <dgm:bulletEnabled val="1"/>
@@ -16594,7 +16594,7 @@
       </dgm:prSet>
       <dgm:spPr/>
     </dgm:pt>
-    <dgm:pt modelId="{C522C009-B943-43D3-9BAD-3AB9A9C904AE}" type="pres">
+    <dgm:pt modelId="{9D2713DE-4500-49CB-A684-AA18B858749B}" type="pres">
       <dgm:prSet presAssocID="{B57A0F3A-F1B0-42F8-B35F-E02B2D30340A}" presName="childText" presStyleLbl="revTx" presStyleIdx="0" presStyleCnt="1">
         <dgm:presLayoutVars>
           <dgm:bulletEnabled val="1"/>
@@ -16607,10 +16607,10 @@
     <dgm:cxn modelId="{7A519C5B-7623-470F-9645-325EB1951BCA}" type="presOf" srcId="{B57A0F3A-F1B0-42F8-B35F-E02B2D30340A}" destId="{E7FA2778-1922-461F-9F83-8B7942076FA1}" srcOrd="0" destOrd="0" presId="urn:microsoft.com/office/officeart/2005/8/layout/vList2"/>
     <dgm:cxn modelId="{29311EAB-4BDB-441F-B194-2937ABBF42F0}" srcId="{B57A0F3A-F1B0-42F8-B35F-E02B2D30340A}" destId="{D7014BF4-7376-4162-8FEF-128DC6670E1F}" srcOrd="0" destOrd="0" parTransId="{87F580A0-BB79-4F00-9B3D-78E4B653C42F}" sibTransId="{FE508685-14F2-46DE-9DA7-DA62F0E3297D}"/>
     <dgm:cxn modelId="{2044DDBB-B826-4D14-9393-F1DB3280B5CD}" type="presOf" srcId="{F7ADD695-A420-447C-BB4D-16D2A4B84B2A}" destId="{23FD4DD9-EBB4-4DCB-9496-D3F92C610F80}" srcOrd="0" destOrd="0" presId="urn:microsoft.com/office/officeart/2005/8/layout/vList2"/>
-    <dgm:cxn modelId="{B55C3DF5-3FC4-4E6F-B229-242CB9A171BB}" type="presOf" srcId="{D7014BF4-7376-4162-8FEF-128DC6670E1F}" destId="{C522C009-B943-43D3-9BAD-3AB9A9C904AE}" srcOrd="0" destOrd="0" presId="urn:microsoft.com/office/officeart/2005/8/layout/vList2"/>
     <dgm:cxn modelId="{F34258F9-7DE8-4A6F-80D6-B0E88BDA775C}" srcId="{F7ADD695-A420-447C-BB4D-16D2A4B84B2A}" destId="{B57A0F3A-F1B0-42F8-B35F-E02B2D30340A}" srcOrd="0" destOrd="0" parTransId="{6BFA42E1-4C05-4320-85DA-637F344A8443}" sibTransId="{8D8EC431-A6F3-4778-8613-0B3CDC27C7DC}"/>
+    <dgm:cxn modelId="{3CFD25FC-5AEA-400E-A8EE-D6B79A58BB69}" type="presOf" srcId="{D7014BF4-7376-4162-8FEF-128DC6670E1F}" destId="{9D2713DE-4500-49CB-A684-AA18B858749B}" srcOrd="0" destOrd="0" presId="urn:microsoft.com/office/officeart/2005/8/layout/vList2"/>
     <dgm:cxn modelId="{5CEFF62C-3960-449B-9A2D-5DEB9F2B11D4}" type="presParOf" srcId="{23FD4DD9-EBB4-4DCB-9496-D3F92C610F80}" destId="{E7FA2778-1922-461F-9F83-8B7942076FA1}" srcOrd="0" destOrd="0" presId="urn:microsoft.com/office/officeart/2005/8/layout/vList2"/>
-    <dgm:cxn modelId="{E5BABC08-690F-4234-BDB2-651F115F6ABA}" type="presParOf" srcId="{23FD4DD9-EBB4-4DCB-9496-D3F92C610F80}" destId="{C522C009-B943-43D3-9BAD-3AB9A9C904AE}" srcOrd="1" destOrd="0" presId="urn:microsoft.com/office/officeart/2005/8/layout/vList2"/>
+    <dgm:cxn modelId="{D69C9F15-27BE-4169-A3CD-CCB0875218A7}" type="presParOf" srcId="{23FD4DD9-EBB4-4DCB-9496-D3F92C610F80}" destId="{9D2713DE-4500-49CB-A684-AA18B858749B}" srcOrd="1" destOrd="0" presId="urn:microsoft.com/office/officeart/2005/8/layout/vList2"/>
   </dgm:cxnLst>
   <dgm:bg/>
   <dgm:whole/>
@@ -17257,7 +17257,7 @@
               <a:latin typeface="Times New Roman" panose="02020603050405020304" pitchFamily="18" charset="0"/>
               <a:cs typeface="Times New Roman" panose="02020603050405020304" pitchFamily="18" charset="0"/>
             </a:rPr>
-            <a:t>Giao diện website</a:t>
+            <a:t>Demo website</a:t>
           </a:r>
         </a:p>
       </dsp:txBody>
@@ -17430,162 +17430,6 @@
 </file>
 
 <file path=ppt/diagrams/drawing10.xml><?xml version="1.0" encoding="utf-8"?>
-<dsp:drawing xmlns:dgm="http://schemas.openxmlformats.org/drawingml/2006/diagram" xmlns:dsp="http://schemas.microsoft.com/office/drawing/2008/diagram" xmlns:a="http://schemas.openxmlformats.org/drawingml/2006/main">
-  <dsp:spTree>
-    <dsp:nvGrpSpPr>
-      <dsp:cNvPr id="0" name=""/>
-      <dsp:cNvGrpSpPr/>
-    </dsp:nvGrpSpPr>
-    <dsp:grpSpPr/>
-    <dsp:sp modelId="{E7FA2778-1922-461F-9F83-8B7942076FA1}">
-      <dsp:nvSpPr>
-        <dsp:cNvPr id="0" name=""/>
-        <dsp:cNvSpPr/>
-      </dsp:nvSpPr>
-      <dsp:spPr>
-        <a:xfrm>
-          <a:off x="0" y="7953"/>
-          <a:ext cx="6039751" cy="599040"/>
-        </a:xfrm>
-        <a:prstGeom prst="roundRect">
-          <a:avLst/>
-        </a:prstGeom>
-        <a:solidFill>
-          <a:schemeClr val="accent1">
-            <a:hueOff val="0"/>
-            <a:satOff val="0"/>
-            <a:lumOff val="0"/>
-            <a:alphaOff val="0"/>
-          </a:schemeClr>
-        </a:solidFill>
-        <a:ln w="15875" cap="rnd" cmpd="sng" algn="ctr">
-          <a:solidFill>
-            <a:schemeClr val="lt1">
-              <a:hueOff val="0"/>
-              <a:satOff val="0"/>
-              <a:lumOff val="0"/>
-              <a:alphaOff val="0"/>
-            </a:schemeClr>
-          </a:solidFill>
-          <a:prstDash val="solid"/>
-        </a:ln>
-        <a:effectLst/>
-      </dsp:spPr>
-      <dsp:style>
-        <a:lnRef idx="2">
-          <a:scrgbClr r="0" g="0" b="0"/>
-        </a:lnRef>
-        <a:fillRef idx="1">
-          <a:scrgbClr r="0" g="0" b="0"/>
-        </a:fillRef>
-        <a:effectRef idx="0">
-          <a:scrgbClr r="0" g="0" b="0"/>
-        </a:effectRef>
-        <a:fontRef idx="minor">
-          <a:schemeClr val="lt1"/>
-        </a:fontRef>
-      </dsp:style>
-      <dsp:txBody>
-        <a:bodyPr spcFirstLastPara="0" vert="horz" wrap="square" lIns="95250" tIns="95250" rIns="95250" bIns="95250" numCol="1" spcCol="1270" anchor="ctr" anchorCtr="0">
-          <a:noAutofit/>
-        </a:bodyPr>
-        <a:lstStyle/>
-        <a:p>
-          <a:pPr marL="0" lvl="0" indent="0" algn="l" defTabSz="1111250">
-            <a:lnSpc>
-              <a:spcPct val="90000"/>
-            </a:lnSpc>
-            <a:spcBef>
-              <a:spcPct val="0"/>
-            </a:spcBef>
-            <a:spcAft>
-              <a:spcPct val="35000"/>
-            </a:spcAft>
-            <a:buNone/>
-          </a:pPr>
-          <a:r>
-            <a:rPr lang="en-US" sz="2500" kern="1200">
-              <a:latin typeface="Times New Roman" panose="02020603050405020304" pitchFamily="18" charset="0"/>
-              <a:cs typeface="Times New Roman" panose="02020603050405020304" pitchFamily="18" charset="0"/>
-            </a:rPr>
-            <a:t>3. Phân tích và thiết kế hệ thống</a:t>
-          </a:r>
-        </a:p>
-      </dsp:txBody>
-      <dsp:txXfrm>
-        <a:off x="29243" y="37196"/>
-        <a:ext cx="5981265" cy="540554"/>
-      </dsp:txXfrm>
-    </dsp:sp>
-    <dsp:sp modelId="{9D2713DE-4500-49CB-A684-AA18B858749B}">
-      <dsp:nvSpPr>
-        <dsp:cNvPr id="0" name=""/>
-        <dsp:cNvSpPr/>
-      </dsp:nvSpPr>
-      <dsp:spPr>
-        <a:xfrm>
-          <a:off x="0" y="601482"/>
-          <a:ext cx="6039751" cy="529920"/>
-        </a:xfrm>
-        <a:prstGeom prst="rect">
-          <a:avLst/>
-        </a:prstGeom>
-        <a:noFill/>
-        <a:ln>
-          <a:noFill/>
-        </a:ln>
-        <a:effectLst/>
-      </dsp:spPr>
-      <dsp:style>
-        <a:lnRef idx="0">
-          <a:scrgbClr r="0" g="0" b="0"/>
-        </a:lnRef>
-        <a:fillRef idx="0">
-          <a:scrgbClr r="0" g="0" b="0"/>
-        </a:fillRef>
-        <a:effectRef idx="0">
-          <a:scrgbClr r="0" g="0" b="0"/>
-        </a:effectRef>
-        <a:fontRef idx="minor"/>
-      </dsp:style>
-      <dsp:txBody>
-        <a:bodyPr spcFirstLastPara="0" vert="horz" wrap="square" lIns="191762" tIns="29210" rIns="163576" bIns="29210" numCol="1" spcCol="1270" anchor="t" anchorCtr="0">
-          <a:noAutofit/>
-        </a:bodyPr>
-        <a:lstStyle/>
-        <a:p>
-          <a:pPr marL="228600" lvl="1" indent="-228600" algn="l" defTabSz="1022350">
-            <a:lnSpc>
-              <a:spcPct val="90000"/>
-            </a:lnSpc>
-            <a:spcBef>
-              <a:spcPct val="0"/>
-            </a:spcBef>
-            <a:spcAft>
-              <a:spcPct val="20000"/>
-            </a:spcAft>
-            <a:buFont typeface="Arial" panose="020B0604020202020204" pitchFamily="34" charset="0"/>
-            <a:buChar char="•"/>
-          </a:pPr>
-          <a:r>
-            <a:rPr lang="en-US" sz="2300" kern="1200">
-              <a:latin typeface="Times New Roman" panose="02020603050405020304" pitchFamily="18" charset="0"/>
-              <a:cs typeface="Times New Roman" panose="02020603050405020304" pitchFamily="18" charset="0"/>
-            </a:rPr>
-            <a:t>Định nghĩa bài toán</a:t>
-          </a:r>
-        </a:p>
-      </dsp:txBody>
-      <dsp:txXfrm>
-        <a:off x="0" y="601482"/>
-        <a:ext cx="6039751" cy="529920"/>
-      </dsp:txXfrm>
-    </dsp:sp>
-  </dsp:spTree>
-</dsp:drawing>
-</file>
-
-<file path=ppt/diagrams/drawing11.xml><?xml version="1.0" encoding="utf-8"?>
 <dsp:drawing xmlns:dgm="http://schemas.openxmlformats.org/drawingml/2006/diagram" xmlns:dsp="http://schemas.microsoft.com/office/drawing/2008/diagram" xmlns:a="http://schemas.openxmlformats.org/drawingml/2006/main">
   <dsp:spTree>
     <dsp:nvGrpSpPr>
@@ -17999,6 +17843,162 @@
 </dsp:drawing>
 </file>
 
+<file path=ppt/diagrams/drawing11.xml><?xml version="1.0" encoding="utf-8"?>
+<dsp:drawing xmlns:dgm="http://schemas.openxmlformats.org/drawingml/2006/diagram" xmlns:dsp="http://schemas.microsoft.com/office/drawing/2008/diagram" xmlns:a="http://schemas.openxmlformats.org/drawingml/2006/main">
+  <dsp:spTree>
+    <dsp:nvGrpSpPr>
+      <dsp:cNvPr id="0" name=""/>
+      <dsp:cNvGrpSpPr/>
+    </dsp:nvGrpSpPr>
+    <dsp:grpSpPr/>
+    <dsp:sp modelId="{E7FA2778-1922-461F-9F83-8B7942076FA1}">
+      <dsp:nvSpPr>
+        <dsp:cNvPr id="0" name=""/>
+        <dsp:cNvSpPr/>
+      </dsp:nvSpPr>
+      <dsp:spPr>
+        <a:xfrm>
+          <a:off x="0" y="7953"/>
+          <a:ext cx="6039751" cy="599040"/>
+        </a:xfrm>
+        <a:prstGeom prst="roundRect">
+          <a:avLst/>
+        </a:prstGeom>
+        <a:solidFill>
+          <a:schemeClr val="accent1">
+            <a:hueOff val="0"/>
+            <a:satOff val="0"/>
+            <a:lumOff val="0"/>
+            <a:alphaOff val="0"/>
+          </a:schemeClr>
+        </a:solidFill>
+        <a:ln w="15875" cap="rnd" cmpd="sng" algn="ctr">
+          <a:solidFill>
+            <a:schemeClr val="lt1">
+              <a:hueOff val="0"/>
+              <a:satOff val="0"/>
+              <a:lumOff val="0"/>
+              <a:alphaOff val="0"/>
+            </a:schemeClr>
+          </a:solidFill>
+          <a:prstDash val="solid"/>
+        </a:ln>
+        <a:effectLst/>
+      </dsp:spPr>
+      <dsp:style>
+        <a:lnRef idx="2">
+          <a:scrgbClr r="0" g="0" b="0"/>
+        </a:lnRef>
+        <a:fillRef idx="1">
+          <a:scrgbClr r="0" g="0" b="0"/>
+        </a:fillRef>
+        <a:effectRef idx="0">
+          <a:scrgbClr r="0" g="0" b="0"/>
+        </a:effectRef>
+        <a:fontRef idx="minor">
+          <a:schemeClr val="lt1"/>
+        </a:fontRef>
+      </dsp:style>
+      <dsp:txBody>
+        <a:bodyPr spcFirstLastPara="0" vert="horz" wrap="square" lIns="95250" tIns="95250" rIns="95250" bIns="95250" numCol="1" spcCol="1270" anchor="ctr" anchorCtr="0">
+          <a:noAutofit/>
+        </a:bodyPr>
+        <a:lstStyle/>
+        <a:p>
+          <a:pPr marL="0" lvl="0" indent="0" algn="l" defTabSz="1111250">
+            <a:lnSpc>
+              <a:spcPct val="90000"/>
+            </a:lnSpc>
+            <a:spcBef>
+              <a:spcPct val="0"/>
+            </a:spcBef>
+            <a:spcAft>
+              <a:spcPct val="35000"/>
+            </a:spcAft>
+            <a:buNone/>
+          </a:pPr>
+          <a:r>
+            <a:rPr lang="en-US" sz="2500" kern="1200">
+              <a:latin typeface="Times New Roman" panose="02020603050405020304" pitchFamily="18" charset="0"/>
+              <a:cs typeface="Times New Roman" panose="02020603050405020304" pitchFamily="18" charset="0"/>
+            </a:rPr>
+            <a:t>3. Phân tích và thiết kế hệ thống</a:t>
+          </a:r>
+        </a:p>
+      </dsp:txBody>
+      <dsp:txXfrm>
+        <a:off x="29243" y="37196"/>
+        <a:ext cx="5981265" cy="540554"/>
+      </dsp:txXfrm>
+    </dsp:sp>
+    <dsp:sp modelId="{9D2713DE-4500-49CB-A684-AA18B858749B}">
+      <dsp:nvSpPr>
+        <dsp:cNvPr id="0" name=""/>
+        <dsp:cNvSpPr/>
+      </dsp:nvSpPr>
+      <dsp:spPr>
+        <a:xfrm>
+          <a:off x="0" y="601482"/>
+          <a:ext cx="6039751" cy="529920"/>
+        </a:xfrm>
+        <a:prstGeom prst="rect">
+          <a:avLst/>
+        </a:prstGeom>
+        <a:noFill/>
+        <a:ln>
+          <a:noFill/>
+        </a:ln>
+        <a:effectLst/>
+      </dsp:spPr>
+      <dsp:style>
+        <a:lnRef idx="0">
+          <a:scrgbClr r="0" g="0" b="0"/>
+        </a:lnRef>
+        <a:fillRef idx="0">
+          <a:scrgbClr r="0" g="0" b="0"/>
+        </a:fillRef>
+        <a:effectRef idx="0">
+          <a:scrgbClr r="0" g="0" b="0"/>
+        </a:effectRef>
+        <a:fontRef idx="minor"/>
+      </dsp:style>
+      <dsp:txBody>
+        <a:bodyPr spcFirstLastPara="0" vert="horz" wrap="square" lIns="191762" tIns="29210" rIns="163576" bIns="29210" numCol="1" spcCol="1270" anchor="t" anchorCtr="0">
+          <a:noAutofit/>
+        </a:bodyPr>
+        <a:lstStyle/>
+        <a:p>
+          <a:pPr marL="228600" lvl="1" indent="-228600" algn="l" defTabSz="1022350">
+            <a:lnSpc>
+              <a:spcPct val="90000"/>
+            </a:lnSpc>
+            <a:spcBef>
+              <a:spcPct val="0"/>
+            </a:spcBef>
+            <a:spcAft>
+              <a:spcPct val="20000"/>
+            </a:spcAft>
+            <a:buFont typeface="Arial" panose="020B0604020202020204" pitchFamily="34" charset="0"/>
+            <a:buChar char="•"/>
+          </a:pPr>
+          <a:r>
+            <a:rPr lang="en-US" sz="2300" kern="1200">
+              <a:latin typeface="Times New Roman" panose="02020603050405020304" pitchFamily="18" charset="0"/>
+              <a:cs typeface="Times New Roman" panose="02020603050405020304" pitchFamily="18" charset="0"/>
+            </a:rPr>
+            <a:t>Định nghĩa bài toán</a:t>
+          </a:r>
+        </a:p>
+      </dsp:txBody>
+      <dsp:txXfrm>
+        <a:off x="0" y="601482"/>
+        <a:ext cx="6039751" cy="529920"/>
+      </dsp:txXfrm>
+    </dsp:sp>
+  </dsp:spTree>
+</dsp:drawing>
+</file>
+
 <file path=ppt/diagrams/drawing12.xml><?xml version="1.0" encoding="utf-8"?>
 <dsp:drawing xmlns:dgm="http://schemas.openxmlformats.org/drawingml/2006/diagram" xmlns:dsp="http://schemas.microsoft.com/office/drawing/2008/diagram" xmlns:a="http://schemas.openxmlformats.org/drawingml/2006/main">
   <dsp:spTree>
@@ -18234,7 +18234,7 @@
               <a:latin typeface="Times New Roman" panose="02020603050405020304" pitchFamily="18" charset="0"/>
               <a:cs typeface="Times New Roman" panose="02020603050405020304" pitchFamily="18" charset="0"/>
             </a:rPr>
-            <a:t>4. Giao diện website</a:t>
+            <a:t>4. Demo website</a:t>
           </a:r>
         </a:p>
       </dsp:txBody>
@@ -21097,7 +21097,7 @@
       </dsp:nvSpPr>
       <dsp:spPr>
         <a:xfrm>
-          <a:off x="0" y="0"/>
+          <a:off x="0" y="7953"/>
           <a:ext cx="6039751" cy="599040"/>
         </a:xfrm>
         <a:prstGeom prst="roundRect">
@@ -21161,16 +21161,16 @@
               <a:latin typeface="Times New Roman" panose="02020603050405020304" pitchFamily="18" charset="0"/>
               <a:cs typeface="Times New Roman" panose="02020603050405020304" pitchFamily="18" charset="0"/>
             </a:rPr>
-            <a:t>2. Kiến thức chung</a:t>
+            <a:t>3. Phân tích và thiết kế hệ thống</a:t>
           </a:r>
         </a:p>
       </dsp:txBody>
       <dsp:txXfrm>
-        <a:off x="29243" y="29243"/>
+        <a:off x="29243" y="37196"/>
         <a:ext cx="5981265" cy="540554"/>
       </dsp:txXfrm>
     </dsp:sp>
-    <dsp:sp modelId="{C522C009-B943-43D3-9BAD-3AB9A9C904AE}">
+    <dsp:sp modelId="{9D2713DE-4500-49CB-A684-AA18B858749B}">
       <dsp:nvSpPr>
         <dsp:cNvPr id="0" name=""/>
         <dsp:cNvSpPr/>
@@ -21225,7 +21225,7 @@
               <a:latin typeface="Times New Roman" panose="02020603050405020304" pitchFamily="18" charset="0"/>
               <a:cs typeface="Times New Roman" panose="02020603050405020304" pitchFamily="18" charset="0"/>
             </a:rPr>
-            <a:t>jQuery</a:t>
+            <a:t>Định nghĩa bài toán</a:t>
           </a:r>
         </a:p>
       </dsp:txBody>
@@ -21495,173 +21495,6 @@
 </file>
 
 <file path=ppt/diagrams/layout10.xml><?xml version="1.0" encoding="utf-8"?>
-<dgm:layoutDef xmlns:dgm="http://schemas.openxmlformats.org/drawingml/2006/diagram" xmlns:a="http://schemas.openxmlformats.org/drawingml/2006/main" uniqueId="urn:microsoft.com/office/officeart/2005/8/layout/vList2">
-  <dgm:title val=""/>
-  <dgm:desc val=""/>
-  <dgm:catLst>
-    <dgm:cat type="list" pri="3000"/>
-    <dgm:cat type="convert" pri="1000"/>
-  </dgm:catLst>
-  <dgm:sampData>
-    <dgm:dataModel>
-      <dgm:ptLst>
-        <dgm:pt modelId="0" type="doc"/>
-        <dgm:pt modelId="1">
-          <dgm:prSet phldr="1"/>
-        </dgm:pt>
-        <dgm:pt modelId="11">
-          <dgm:prSet phldr="1"/>
-        </dgm:pt>
-        <dgm:pt modelId="2">
-          <dgm:prSet phldr="1"/>
-        </dgm:pt>
-        <dgm:pt modelId="21">
-          <dgm:prSet phldr="1"/>
-        </dgm:pt>
-      </dgm:ptLst>
-      <dgm:cxnLst>
-        <dgm:cxn modelId="4" srcId="0" destId="1" srcOrd="0" destOrd="0"/>
-        <dgm:cxn modelId="5" srcId="0" destId="2" srcOrd="1" destOrd="0"/>
-        <dgm:cxn modelId="12" srcId="1" destId="11" srcOrd="0" destOrd="0"/>
-        <dgm:cxn modelId="23" srcId="2" destId="21" srcOrd="0" destOrd="0"/>
-      </dgm:cxnLst>
-      <dgm:bg/>
-      <dgm:whole/>
-    </dgm:dataModel>
-  </dgm:sampData>
-  <dgm:styleData>
-    <dgm:dataModel>
-      <dgm:ptLst>
-        <dgm:pt modelId="0" type="doc"/>
-        <dgm:pt modelId="1"/>
-        <dgm:pt modelId="2"/>
-      </dgm:ptLst>
-      <dgm:cxnLst>
-        <dgm:cxn modelId="3" srcId="0" destId="1" srcOrd="0" destOrd="0"/>
-        <dgm:cxn modelId="4" srcId="0" destId="2" srcOrd="1" destOrd="0"/>
-      </dgm:cxnLst>
-      <dgm:bg/>
-      <dgm:whole/>
-    </dgm:dataModel>
-  </dgm:styleData>
-  <dgm:clrData>
-    <dgm:dataModel>
-      <dgm:ptLst>
-        <dgm:pt modelId="0" type="doc"/>
-        <dgm:pt modelId="1"/>
-        <dgm:pt modelId="2"/>
-        <dgm:pt modelId="3"/>
-        <dgm:pt modelId="4"/>
-      </dgm:ptLst>
-      <dgm:cxnLst>
-        <dgm:cxn modelId="5" srcId="0" destId="1" srcOrd="0" destOrd="0"/>
-        <dgm:cxn modelId="6" srcId="0" destId="2" srcOrd="1" destOrd="0"/>
-        <dgm:cxn modelId="7" srcId="0" destId="3" srcOrd="2" destOrd="0"/>
-        <dgm:cxn modelId="8" srcId="0" destId="4" srcOrd="3" destOrd="0"/>
-      </dgm:cxnLst>
-      <dgm:bg/>
-      <dgm:whole/>
-    </dgm:dataModel>
-  </dgm:clrData>
-  <dgm:layoutNode name="linear">
-    <dgm:varLst>
-      <dgm:animLvl val="lvl"/>
-      <dgm:resizeHandles val="exact"/>
-    </dgm:varLst>
-    <dgm:alg type="lin">
-      <dgm:param type="linDir" val="fromT"/>
-      <dgm:param type="vertAlign" val="mid"/>
-    </dgm:alg>
-    <dgm:shape xmlns:r="http://schemas.openxmlformats.org/officeDocument/2006/relationships" r:blip="">
-      <dgm:adjLst/>
-    </dgm:shape>
-    <dgm:presOf/>
-    <dgm:constrLst>
-      <dgm:constr type="w" for="ch" forName="parentText" refType="w"/>
-      <dgm:constr type="h" for="ch" forName="parentText" refType="primFontSz" refFor="ch" refForName="parentText" fact="0.52"/>
-      <dgm:constr type="w" for="ch" forName="childText" refType="w"/>
-      <dgm:constr type="h" for="ch" forName="childText" refType="primFontSz" refFor="ch" refForName="parentText" fact="0.46"/>
-      <dgm:constr type="h" for="ch" forName="parentText" op="equ"/>
-      <dgm:constr type="primFontSz" for="ch" forName="parentText" op="equ" val="65"/>
-      <dgm:constr type="primFontSz" for="ch" forName="childText" refType="primFontSz" refFor="ch" refForName="parentText" op="equ"/>
-      <dgm:constr type="h" for="ch" forName="spacer" refType="primFontSz" refFor="ch" refForName="parentText" fact="0.08"/>
-    </dgm:constrLst>
-    <dgm:ruleLst>
-      <dgm:rule type="primFontSz" for="ch" forName="parentText" val="5" fact="NaN" max="NaN"/>
-    </dgm:ruleLst>
-    <dgm:forEach name="Name0" axis="ch" ptType="node">
-      <dgm:layoutNode name="parentText" styleLbl="node1">
-        <dgm:varLst>
-          <dgm:chMax val="0"/>
-          <dgm:bulletEnabled val="1"/>
-        </dgm:varLst>
-        <dgm:alg type="tx">
-          <dgm:param type="parTxLTRAlign" val="l"/>
-          <dgm:param type="parTxRTLAlign" val="r"/>
-        </dgm:alg>
-        <dgm:shape xmlns:r="http://schemas.openxmlformats.org/officeDocument/2006/relationships" type="roundRect" r:blip="">
-          <dgm:adjLst/>
-        </dgm:shape>
-        <dgm:presOf axis="self"/>
-        <dgm:constrLst>
-          <dgm:constr type="tMarg" refType="primFontSz" fact="0.3"/>
-          <dgm:constr type="bMarg" refType="primFontSz" fact="0.3"/>
-          <dgm:constr type="lMarg" refType="primFontSz" fact="0.3"/>
-          <dgm:constr type="rMarg" refType="primFontSz" fact="0.3"/>
-        </dgm:constrLst>
-        <dgm:ruleLst>
-          <dgm:rule type="h" val="INF" fact="NaN" max="NaN"/>
-        </dgm:ruleLst>
-      </dgm:layoutNode>
-      <dgm:choose name="Name1">
-        <dgm:if name="Name2" axis="ch" ptType="node" func="cnt" op="gte" val="1">
-          <dgm:layoutNode name="childText" styleLbl="revTx">
-            <dgm:varLst>
-              <dgm:bulletEnabled val="1"/>
-            </dgm:varLst>
-            <dgm:alg type="tx">
-              <dgm:param type="stBulletLvl" val="1"/>
-              <dgm:param type="lnSpAfChP" val="20"/>
-            </dgm:alg>
-            <dgm:shape xmlns:r="http://schemas.openxmlformats.org/officeDocument/2006/relationships" type="rect" r:blip="">
-              <dgm:adjLst/>
-            </dgm:shape>
-            <dgm:presOf axis="des" ptType="node"/>
-            <dgm:constrLst>
-              <dgm:constr type="tMarg" refType="primFontSz" fact="0.1"/>
-              <dgm:constr type="bMarg" refType="primFontSz" fact="0.1"/>
-              <dgm:constr type="lMarg" refType="w" fact="0.09"/>
-            </dgm:constrLst>
-            <dgm:ruleLst>
-              <dgm:rule type="h" val="INF" fact="NaN" max="NaN"/>
-            </dgm:ruleLst>
-          </dgm:layoutNode>
-        </dgm:if>
-        <dgm:else name="Name3">
-          <dgm:choose name="Name4">
-            <dgm:if name="Name5" axis="par ch" ptType="doc node" func="cnt" op="gte" val="2">
-              <dgm:forEach name="Name6" axis="followSib" ptType="sibTrans" cnt="1">
-                <dgm:layoutNode name="spacer">
-                  <dgm:alg type="sp"/>
-                  <dgm:shape xmlns:r="http://schemas.openxmlformats.org/officeDocument/2006/relationships" r:blip="">
-                    <dgm:adjLst/>
-                  </dgm:shape>
-                  <dgm:presOf/>
-                  <dgm:constrLst/>
-                  <dgm:ruleLst/>
-                </dgm:layoutNode>
-              </dgm:forEach>
-            </dgm:if>
-            <dgm:else name="Name7"/>
-          </dgm:choose>
-        </dgm:else>
-      </dgm:choose>
-    </dgm:forEach>
-  </dgm:layoutNode>
-</dgm:layoutDef>
-</file>
-
-<file path=ppt/diagrams/layout11.xml><?xml version="1.0" encoding="utf-8"?>
 <dgm:layoutDef xmlns:dgm="http://schemas.openxmlformats.org/drawingml/2006/diagram" xmlns:a="http://schemas.openxmlformats.org/drawingml/2006/main" uniqueId="urn:microsoft.com/office/officeart/2005/8/layout/list1">
   <dgm:title val=""/>
   <dgm:desc val=""/>
@@ -21881,6 +21714,173 @@
           <dgm:ruleLst/>
         </dgm:layoutNode>
       </dgm:forEach>
+    </dgm:forEach>
+  </dgm:layoutNode>
+</dgm:layoutDef>
+</file>
+
+<file path=ppt/diagrams/layout11.xml><?xml version="1.0" encoding="utf-8"?>
+<dgm:layoutDef xmlns:dgm="http://schemas.openxmlformats.org/drawingml/2006/diagram" xmlns:a="http://schemas.openxmlformats.org/drawingml/2006/main" uniqueId="urn:microsoft.com/office/officeart/2005/8/layout/vList2">
+  <dgm:title val=""/>
+  <dgm:desc val=""/>
+  <dgm:catLst>
+    <dgm:cat type="list" pri="3000"/>
+    <dgm:cat type="convert" pri="1000"/>
+  </dgm:catLst>
+  <dgm:sampData>
+    <dgm:dataModel>
+      <dgm:ptLst>
+        <dgm:pt modelId="0" type="doc"/>
+        <dgm:pt modelId="1">
+          <dgm:prSet phldr="1"/>
+        </dgm:pt>
+        <dgm:pt modelId="11">
+          <dgm:prSet phldr="1"/>
+        </dgm:pt>
+        <dgm:pt modelId="2">
+          <dgm:prSet phldr="1"/>
+        </dgm:pt>
+        <dgm:pt modelId="21">
+          <dgm:prSet phldr="1"/>
+        </dgm:pt>
+      </dgm:ptLst>
+      <dgm:cxnLst>
+        <dgm:cxn modelId="4" srcId="0" destId="1" srcOrd="0" destOrd="0"/>
+        <dgm:cxn modelId="5" srcId="0" destId="2" srcOrd="1" destOrd="0"/>
+        <dgm:cxn modelId="12" srcId="1" destId="11" srcOrd="0" destOrd="0"/>
+        <dgm:cxn modelId="23" srcId="2" destId="21" srcOrd="0" destOrd="0"/>
+      </dgm:cxnLst>
+      <dgm:bg/>
+      <dgm:whole/>
+    </dgm:dataModel>
+  </dgm:sampData>
+  <dgm:styleData>
+    <dgm:dataModel>
+      <dgm:ptLst>
+        <dgm:pt modelId="0" type="doc"/>
+        <dgm:pt modelId="1"/>
+        <dgm:pt modelId="2"/>
+      </dgm:ptLst>
+      <dgm:cxnLst>
+        <dgm:cxn modelId="3" srcId="0" destId="1" srcOrd="0" destOrd="0"/>
+        <dgm:cxn modelId="4" srcId="0" destId="2" srcOrd="1" destOrd="0"/>
+      </dgm:cxnLst>
+      <dgm:bg/>
+      <dgm:whole/>
+    </dgm:dataModel>
+  </dgm:styleData>
+  <dgm:clrData>
+    <dgm:dataModel>
+      <dgm:ptLst>
+        <dgm:pt modelId="0" type="doc"/>
+        <dgm:pt modelId="1"/>
+        <dgm:pt modelId="2"/>
+        <dgm:pt modelId="3"/>
+        <dgm:pt modelId="4"/>
+      </dgm:ptLst>
+      <dgm:cxnLst>
+        <dgm:cxn modelId="5" srcId="0" destId="1" srcOrd="0" destOrd="0"/>
+        <dgm:cxn modelId="6" srcId="0" destId="2" srcOrd="1" destOrd="0"/>
+        <dgm:cxn modelId="7" srcId="0" destId="3" srcOrd="2" destOrd="0"/>
+        <dgm:cxn modelId="8" srcId="0" destId="4" srcOrd="3" destOrd="0"/>
+      </dgm:cxnLst>
+      <dgm:bg/>
+      <dgm:whole/>
+    </dgm:dataModel>
+  </dgm:clrData>
+  <dgm:layoutNode name="linear">
+    <dgm:varLst>
+      <dgm:animLvl val="lvl"/>
+      <dgm:resizeHandles val="exact"/>
+    </dgm:varLst>
+    <dgm:alg type="lin">
+      <dgm:param type="linDir" val="fromT"/>
+      <dgm:param type="vertAlign" val="mid"/>
+    </dgm:alg>
+    <dgm:shape xmlns:r="http://schemas.openxmlformats.org/officeDocument/2006/relationships" r:blip="">
+      <dgm:adjLst/>
+    </dgm:shape>
+    <dgm:presOf/>
+    <dgm:constrLst>
+      <dgm:constr type="w" for="ch" forName="parentText" refType="w"/>
+      <dgm:constr type="h" for="ch" forName="parentText" refType="primFontSz" refFor="ch" refForName="parentText" fact="0.52"/>
+      <dgm:constr type="w" for="ch" forName="childText" refType="w"/>
+      <dgm:constr type="h" for="ch" forName="childText" refType="primFontSz" refFor="ch" refForName="parentText" fact="0.46"/>
+      <dgm:constr type="h" for="ch" forName="parentText" op="equ"/>
+      <dgm:constr type="primFontSz" for="ch" forName="parentText" op="equ" val="65"/>
+      <dgm:constr type="primFontSz" for="ch" forName="childText" refType="primFontSz" refFor="ch" refForName="parentText" op="equ"/>
+      <dgm:constr type="h" for="ch" forName="spacer" refType="primFontSz" refFor="ch" refForName="parentText" fact="0.08"/>
+    </dgm:constrLst>
+    <dgm:ruleLst>
+      <dgm:rule type="primFontSz" for="ch" forName="parentText" val="5" fact="NaN" max="NaN"/>
+    </dgm:ruleLst>
+    <dgm:forEach name="Name0" axis="ch" ptType="node">
+      <dgm:layoutNode name="parentText" styleLbl="node1">
+        <dgm:varLst>
+          <dgm:chMax val="0"/>
+          <dgm:bulletEnabled val="1"/>
+        </dgm:varLst>
+        <dgm:alg type="tx">
+          <dgm:param type="parTxLTRAlign" val="l"/>
+          <dgm:param type="parTxRTLAlign" val="r"/>
+        </dgm:alg>
+        <dgm:shape xmlns:r="http://schemas.openxmlformats.org/officeDocument/2006/relationships" type="roundRect" r:blip="">
+          <dgm:adjLst/>
+        </dgm:shape>
+        <dgm:presOf axis="self"/>
+        <dgm:constrLst>
+          <dgm:constr type="tMarg" refType="primFontSz" fact="0.3"/>
+          <dgm:constr type="bMarg" refType="primFontSz" fact="0.3"/>
+          <dgm:constr type="lMarg" refType="primFontSz" fact="0.3"/>
+          <dgm:constr type="rMarg" refType="primFontSz" fact="0.3"/>
+        </dgm:constrLst>
+        <dgm:ruleLst>
+          <dgm:rule type="h" val="INF" fact="NaN" max="NaN"/>
+        </dgm:ruleLst>
+      </dgm:layoutNode>
+      <dgm:choose name="Name1">
+        <dgm:if name="Name2" axis="ch" ptType="node" func="cnt" op="gte" val="1">
+          <dgm:layoutNode name="childText" styleLbl="revTx">
+            <dgm:varLst>
+              <dgm:bulletEnabled val="1"/>
+            </dgm:varLst>
+            <dgm:alg type="tx">
+              <dgm:param type="stBulletLvl" val="1"/>
+              <dgm:param type="lnSpAfChP" val="20"/>
+            </dgm:alg>
+            <dgm:shape xmlns:r="http://schemas.openxmlformats.org/officeDocument/2006/relationships" type="rect" r:blip="">
+              <dgm:adjLst/>
+            </dgm:shape>
+            <dgm:presOf axis="des" ptType="node"/>
+            <dgm:constrLst>
+              <dgm:constr type="tMarg" refType="primFontSz" fact="0.1"/>
+              <dgm:constr type="bMarg" refType="primFontSz" fact="0.1"/>
+              <dgm:constr type="lMarg" refType="w" fact="0.09"/>
+            </dgm:constrLst>
+            <dgm:ruleLst>
+              <dgm:rule type="h" val="INF" fact="NaN" max="NaN"/>
+            </dgm:ruleLst>
+          </dgm:layoutNode>
+        </dgm:if>
+        <dgm:else name="Name3">
+          <dgm:choose name="Name4">
+            <dgm:if name="Name5" axis="par ch" ptType="doc node" func="cnt" op="gte" val="2">
+              <dgm:forEach name="Name6" axis="followSib" ptType="sibTrans" cnt="1">
+                <dgm:layoutNode name="spacer">
+                  <dgm:alg type="sp"/>
+                  <dgm:shape xmlns:r="http://schemas.openxmlformats.org/officeDocument/2006/relationships" r:blip="">
+                    <dgm:adjLst/>
+                  </dgm:shape>
+                  <dgm:presOf/>
+                  <dgm:constrLst/>
+                  <dgm:ruleLst/>
+                </dgm:layoutNode>
+              </dgm:forEach>
+            </dgm:if>
+            <dgm:else name="Name7"/>
+          </dgm:choose>
+        </dgm:else>
+      </dgm:choose>
     </dgm:forEach>
   </dgm:layoutNode>
 </dgm:layoutDef>
@@ -43218,7 +43218,7 @@
             <a:fld id="{B61BEF0D-F0BB-DE4B-95CE-6DB70DBA9567}" type="datetimeFigureOut">
               <a:rPr lang="en-US" dirty="0"/>
               <a:pPr/>
-              <a:t>11/11/2019</a:t>
+              <a:t>11/13/2019</a:t>
             </a:fld>
             <a:endParaRPr lang="en-US" dirty="0"/>
           </a:p>
@@ -43553,7 +43553,7 @@
             <a:fld id="{B61BEF0D-F0BB-DE4B-95CE-6DB70DBA9567}" type="datetimeFigureOut">
               <a:rPr lang="en-US" dirty="0"/>
               <a:pPr/>
-              <a:t>11/11/2019</a:t>
+              <a:t>11/13/2019</a:t>
             </a:fld>
             <a:endParaRPr lang="en-US" dirty="0"/>
           </a:p>
@@ -43951,7 +43951,7 @@
             <a:fld id="{B61BEF0D-F0BB-DE4B-95CE-6DB70DBA9567}" type="datetimeFigureOut">
               <a:rPr lang="en-US" dirty="0"/>
               <a:pPr/>
-              <a:t>11/11/2019</a:t>
+              <a:t>11/13/2019</a:t>
             </a:fld>
             <a:endParaRPr lang="en-US" dirty="0"/>
           </a:p>
@@ -44284,7 +44284,7 @@
             <a:fld id="{B61BEF0D-F0BB-DE4B-95CE-6DB70DBA9567}" type="datetimeFigureOut">
               <a:rPr lang="en-US" dirty="0"/>
               <a:pPr/>
-              <a:t>11/11/2019</a:t>
+              <a:t>11/13/2019</a:t>
             </a:fld>
             <a:endParaRPr lang="en-US" dirty="0"/>
           </a:p>
@@ -44601,7 +44601,7 @@
             <a:fld id="{B61BEF0D-F0BB-DE4B-95CE-6DB70DBA9567}" type="datetimeFigureOut">
               <a:rPr lang="en-US" dirty="0"/>
               <a:pPr/>
-              <a:t>11/11/2019</a:t>
+              <a:t>11/13/2019</a:t>
             </a:fld>
             <a:endParaRPr lang="en-US" dirty="0"/>
           </a:p>
@@ -44994,7 +44994,7 @@
             <a:fld id="{B61BEF0D-F0BB-DE4B-95CE-6DB70DBA9567}" type="datetimeFigureOut">
               <a:rPr lang="en-US" dirty="0"/>
               <a:pPr/>
-              <a:t>11/11/2019</a:t>
+              <a:t>11/13/2019</a:t>
             </a:fld>
             <a:endParaRPr lang="en-US" dirty="0"/>
           </a:p>
@@ -45248,7 +45248,7 @@
             <a:fld id="{B61BEF0D-F0BB-DE4B-95CE-6DB70DBA9567}" type="datetimeFigureOut">
               <a:rPr lang="en-US" dirty="0"/>
               <a:pPr/>
-              <a:t>11/11/2019</a:t>
+              <a:t>11/13/2019</a:t>
             </a:fld>
             <a:endParaRPr lang="en-US" dirty="0"/>
           </a:p>
@@ -45507,7 +45507,7 @@
             <a:fld id="{B61BEF0D-F0BB-DE4B-95CE-6DB70DBA9567}" type="datetimeFigureOut">
               <a:rPr lang="en-US" dirty="0"/>
               <a:pPr/>
-              <a:t>11/11/2019</a:t>
+              <a:t>11/13/2019</a:t>
             </a:fld>
             <a:endParaRPr lang="en-US" dirty="0"/>
           </a:p>
@@ -45766,7 +45766,7 @@
             <a:fld id="{B61BEF0D-F0BB-DE4B-95CE-6DB70DBA9567}" type="datetimeFigureOut">
               <a:rPr lang="en-US" dirty="0"/>
               <a:pPr/>
-              <a:t>11/11/2019</a:t>
+              <a:t>11/13/2019</a:t>
             </a:fld>
             <a:endParaRPr lang="en-US" dirty="0"/>
           </a:p>
@@ -46092,7 +46092,7 @@
             <a:fld id="{B61BEF0D-F0BB-DE4B-95CE-6DB70DBA9567}" type="datetimeFigureOut">
               <a:rPr lang="en-US" dirty="0"/>
               <a:pPr/>
-              <a:t>11/11/2019</a:t>
+              <a:t>11/13/2019</a:t>
             </a:fld>
             <a:endParaRPr lang="en-US" dirty="0"/>
           </a:p>
@@ -46412,7 +46412,7 @@
             <a:fld id="{B61BEF0D-F0BB-DE4B-95CE-6DB70DBA9567}" type="datetimeFigureOut">
               <a:rPr lang="en-US" dirty="0"/>
               <a:pPr/>
-              <a:t>11/11/2019</a:t>
+              <a:t>11/13/2019</a:t>
             </a:fld>
             <a:endParaRPr lang="en-US" dirty="0"/>
           </a:p>
@@ -46866,7 +46866,7 @@
             <a:fld id="{B61BEF0D-F0BB-DE4B-95CE-6DB70DBA9567}" type="datetimeFigureOut">
               <a:rPr lang="en-US" dirty="0"/>
               <a:pPr/>
-              <a:t>11/11/2019</a:t>
+              <a:t>11/13/2019</a:t>
             </a:fld>
             <a:endParaRPr lang="en-US" dirty="0"/>
           </a:p>
@@ -47068,7 +47068,7 @@
             <a:fld id="{B61BEF0D-F0BB-DE4B-95CE-6DB70DBA9567}" type="datetimeFigureOut">
               <a:rPr lang="en-US" dirty="0"/>
               <a:pPr/>
-              <a:t>11/11/2019</a:t>
+              <a:t>11/13/2019</a:t>
             </a:fld>
             <a:endParaRPr lang="en-US" dirty="0"/>
           </a:p>
@@ -47242,7 +47242,7 @@
             <a:fld id="{B61BEF0D-F0BB-DE4B-95CE-6DB70DBA9567}" type="datetimeFigureOut">
               <a:rPr lang="en-US" dirty="0"/>
               <a:pPr/>
-              <a:t>11/11/2019</a:t>
+              <a:t>11/13/2019</a:t>
             </a:fld>
             <a:endParaRPr lang="en-US" dirty="0"/>
           </a:p>
@@ -47572,7 +47572,7 @@
             <a:fld id="{B61BEF0D-F0BB-DE4B-95CE-6DB70DBA9567}" type="datetimeFigureOut">
               <a:rPr lang="en-US" dirty="0"/>
               <a:pPr/>
-              <a:t>11/11/2019</a:t>
+              <a:t>11/13/2019</a:t>
             </a:fld>
             <a:endParaRPr lang="en-US" dirty="0"/>
           </a:p>
@@ -47914,7 +47914,7 @@
             <a:fld id="{B61BEF0D-F0BB-DE4B-95CE-6DB70DBA9567}" type="datetimeFigureOut">
               <a:rPr lang="en-US" dirty="0"/>
               <a:pPr/>
-              <a:t>11/11/2019</a:t>
+              <a:t>11/13/2019</a:t>
             </a:fld>
             <a:endParaRPr lang="en-US" dirty="0"/>
           </a:p>
@@ -50028,7 +50028,7 @@
             <a:fld id="{B61BEF0D-F0BB-DE4B-95CE-6DB70DBA9567}" type="datetimeFigureOut">
               <a:rPr lang="en-US" dirty="0"/>
               <a:pPr/>
-              <a:t>11/11/2019</a:t>
+              <a:t>11/13/2019</a:t>
             </a:fld>
             <a:endParaRPr lang="en-US" dirty="0"/>
           </a:p>
@@ -51428,13 +51428,7 @@
             </a:extLst>
           </p:cNvPr>
           <p:cNvGraphicFramePr/>
-          <p:nvPr>
-            <p:extLst>
-              <p:ext uri="{D42A27DB-BD31-4B8C-83A1-F6EECF244321}">
-                <p14:modId xmlns:p14="http://schemas.microsoft.com/office/powerpoint/2010/main" val="4107211972"/>
-              </p:ext>
-            </p:extLst>
-          </p:nvPr>
+          <p:nvPr/>
         </p:nvGraphicFramePr>
         <p:xfrm>
           <a:off x="1604962" y="670241"/>
@@ -51446,38 +51440,40 @@
           </a:graphicData>
         </a:graphic>
       </p:graphicFrame>
-      <p:graphicFrame>
-        <p:nvGraphicFramePr>
-          <p:cNvPr id="2" name="Diagram 1">
+      <p:pic>
+        <p:nvPicPr>
+          <p:cNvPr id="3" name="Picture 2">
             <a:extLst>
               <a:ext uri="{FF2B5EF4-FFF2-40B4-BE49-F238E27FC236}">
-                <a16:creationId xmlns:a16="http://schemas.microsoft.com/office/drawing/2014/main" id="{ED90B1A7-A7C8-4839-9CB3-9E6E2D27F7E2}"/>
+                <a16:creationId xmlns:a16="http://schemas.microsoft.com/office/drawing/2014/main" id="{2B2AA825-2511-45A6-84FB-43AD9AC9D356}"/>
               </a:ext>
             </a:extLst>
           </p:cNvPr>
-          <p:cNvGraphicFramePr/>
-          <p:nvPr>
-            <p:extLst>
-              <p:ext uri="{D42A27DB-BD31-4B8C-83A1-F6EECF244321}">
-                <p14:modId xmlns:p14="http://schemas.microsoft.com/office/powerpoint/2010/main" val="2757646902"/>
-              </p:ext>
-            </p:extLst>
-          </p:nvPr>
-        </p:nvGraphicFramePr>
-        <p:xfrm>
-          <a:off x="1604962" y="1804086"/>
-          <a:ext cx="8675860" cy="4077730"/>
-        </p:xfrm>
-        <a:graphic>
-          <a:graphicData uri="http://schemas.openxmlformats.org/drawingml/2006/diagram">
-            <dgm:relIds xmlns:dgm="http://schemas.openxmlformats.org/drawingml/2006/diagram" xmlns:r="http://schemas.openxmlformats.org/officeDocument/2006/relationships" r:dm="rId7" r:lo="rId8" r:qs="rId9" r:cs="rId10"/>
-          </a:graphicData>
-        </a:graphic>
-      </p:graphicFrame>
+          <p:cNvPicPr>
+            <a:picLocks noChangeAspect="1"/>
+          </p:cNvPicPr>
+          <p:nvPr/>
+        </p:nvPicPr>
+        <p:blipFill>
+          <a:blip r:embed="rId7"/>
+          <a:stretch>
+            <a:fillRect/>
+          </a:stretch>
+        </p:blipFill>
+        <p:spPr>
+          <a:xfrm>
+            <a:off x="3204840" y="1807014"/>
+            <a:ext cx="5782319" cy="4494143"/>
+          </a:xfrm>
+          <a:prstGeom prst="rect">
+            <a:avLst/>
+          </a:prstGeom>
+        </p:spPr>
+      </p:pic>
     </p:spTree>
     <p:extLst>
       <p:ext uri="{BB962C8B-B14F-4D97-AF65-F5344CB8AC3E}">
-        <p14:creationId xmlns:p14="http://schemas.microsoft.com/office/powerpoint/2010/main" val="2981676347"/>
+        <p14:creationId xmlns:p14="http://schemas.microsoft.com/office/powerpoint/2010/main" val="840517318"/>
       </p:ext>
     </p:extLst>
   </p:cSld>
@@ -51639,7 +51635,7 @@
           <p:nvPr>
             <p:extLst>
               <p:ext uri="{D42A27DB-BD31-4B8C-83A1-F6EECF244321}">
-                <p14:modId xmlns:p14="http://schemas.microsoft.com/office/powerpoint/2010/main" val="28326431"/>
+                <p14:modId xmlns:p14="http://schemas.microsoft.com/office/powerpoint/2010/main" val="2623577816"/>
               </p:ext>
             </p:extLst>
           </p:nvPr>
@@ -52027,7 +52023,7 @@
           <p:nvPr>
             <p:extLst>
               <p:ext uri="{D42A27DB-BD31-4B8C-83A1-F6EECF244321}">
-                <p14:modId xmlns:p14="http://schemas.microsoft.com/office/powerpoint/2010/main" val="3092494830"/>
+                <p14:modId xmlns:p14="http://schemas.microsoft.com/office/powerpoint/2010/main" val="2680640299"/>
               </p:ext>
             </p:extLst>
           </p:nvPr>
@@ -54653,7 +54649,7 @@
           <p:nvPr>
             <p:extLst>
               <p:ext uri="{D42A27DB-BD31-4B8C-83A1-F6EECF244321}">
-                <p14:modId xmlns:p14="http://schemas.microsoft.com/office/powerpoint/2010/main" val="1562458136"/>
+                <p14:modId xmlns:p14="http://schemas.microsoft.com/office/powerpoint/2010/main" val="4107211972"/>
               </p:ext>
             </p:extLst>
           </p:nvPr>
@@ -54668,329 +54664,38 @@
           </a:graphicData>
         </a:graphic>
       </p:graphicFrame>
-      <p:sp>
-        <p:nvSpPr>
-          <p:cNvPr id="8" name="Content Placeholder 10">
+      <p:graphicFrame>
+        <p:nvGraphicFramePr>
+          <p:cNvPr id="2" name="Diagram 1">
             <a:extLst>
               <a:ext uri="{FF2B5EF4-FFF2-40B4-BE49-F238E27FC236}">
-                <a16:creationId xmlns:a16="http://schemas.microsoft.com/office/drawing/2014/main" id="{4616B1D7-ED49-436A-B545-02658C4609D5}"/>
+                <a16:creationId xmlns:a16="http://schemas.microsoft.com/office/drawing/2014/main" id="{ED90B1A7-A7C8-4839-9CB3-9E6E2D27F7E2}"/>
               </a:ext>
             </a:extLst>
           </p:cNvPr>
-          <p:cNvSpPr txBox="1">
-            <a:spLocks/>
-          </p:cNvSpPr>
-          <p:nvPr/>
-        </p:nvSpPr>
-        <p:spPr>
-          <a:xfrm>
-            <a:off x="1604962" y="1804086"/>
-            <a:ext cx="7934454" cy="3353695"/>
-          </a:xfrm>
-          <a:prstGeom prst="rect">
-            <a:avLst/>
-          </a:prstGeom>
-        </p:spPr>
-        <p:txBody>
-          <a:bodyPr vert="horz" lIns="91440" tIns="45720" rIns="91440" bIns="45720" rtlCol="0">
-            <a:normAutofit/>
-          </a:bodyPr>
-          <a:lstStyle>
-            <a:lvl1pPr marL="342900" indent="-342900" algn="l" defTabSz="457200" rtl="0" eaLnBrk="1" latinLnBrk="0" hangingPunct="1">
-              <a:spcBef>
-                <a:spcPts val="1000"/>
-              </a:spcBef>
-              <a:spcAft>
-                <a:spcPts val="0"/>
-              </a:spcAft>
-              <a:buClr>
-                <a:schemeClr val="accent1"/>
-              </a:buClr>
-              <a:buFont typeface="Wingdings 3" charset="2"/>
-              <a:buChar char=""/>
-              <a:defRPr sz="1800" kern="1200">
-                <a:solidFill>
-                  <a:schemeClr val="tx1">
-                    <a:lumMod val="75000"/>
-                    <a:lumOff val="25000"/>
-                  </a:schemeClr>
-                </a:solidFill>
-                <a:latin typeface="+mn-lt"/>
-                <a:ea typeface="+mn-ea"/>
-                <a:cs typeface="+mn-cs"/>
-              </a:defRPr>
-            </a:lvl1pPr>
-            <a:lvl2pPr marL="742950" indent="-285750" algn="l" defTabSz="457200" rtl="0" eaLnBrk="1" latinLnBrk="0" hangingPunct="1">
-              <a:spcBef>
-                <a:spcPts val="1000"/>
-              </a:spcBef>
-              <a:spcAft>
-                <a:spcPts val="0"/>
-              </a:spcAft>
-              <a:buClr>
-                <a:schemeClr val="accent1"/>
-              </a:buClr>
-              <a:buFont typeface="Wingdings 3" charset="2"/>
-              <a:buChar char=""/>
-              <a:defRPr sz="1600" kern="1200">
-                <a:solidFill>
-                  <a:schemeClr val="tx1">
-                    <a:lumMod val="75000"/>
-                    <a:lumOff val="25000"/>
-                  </a:schemeClr>
-                </a:solidFill>
-                <a:latin typeface="+mn-lt"/>
-                <a:ea typeface="+mn-ea"/>
-                <a:cs typeface="+mn-cs"/>
-              </a:defRPr>
-            </a:lvl2pPr>
-            <a:lvl3pPr marL="1143000" indent="-228600" algn="l" defTabSz="457200" rtl="0" eaLnBrk="1" latinLnBrk="0" hangingPunct="1">
-              <a:spcBef>
-                <a:spcPts val="1000"/>
-              </a:spcBef>
-              <a:spcAft>
-                <a:spcPts val="0"/>
-              </a:spcAft>
-              <a:buClr>
-                <a:schemeClr val="accent1"/>
-              </a:buClr>
-              <a:buFont typeface="Wingdings 3" charset="2"/>
-              <a:buChar char=""/>
-              <a:defRPr sz="1400" kern="1200">
-                <a:solidFill>
-                  <a:schemeClr val="tx1">
-                    <a:lumMod val="75000"/>
-                    <a:lumOff val="25000"/>
-                  </a:schemeClr>
-                </a:solidFill>
-                <a:latin typeface="+mn-lt"/>
-                <a:ea typeface="+mn-ea"/>
-                <a:cs typeface="+mn-cs"/>
-              </a:defRPr>
-            </a:lvl3pPr>
-            <a:lvl4pPr marL="1600200" indent="-228600" algn="l" defTabSz="457200" rtl="0" eaLnBrk="1" latinLnBrk="0" hangingPunct="1">
-              <a:spcBef>
-                <a:spcPts val="1000"/>
-              </a:spcBef>
-              <a:spcAft>
-                <a:spcPts val="0"/>
-              </a:spcAft>
-              <a:buClr>
-                <a:schemeClr val="accent1"/>
-              </a:buClr>
-              <a:buFont typeface="Wingdings 3" charset="2"/>
-              <a:buChar char=""/>
-              <a:defRPr sz="1200" kern="1200">
-                <a:solidFill>
-                  <a:schemeClr val="tx1">
-                    <a:lumMod val="75000"/>
-                    <a:lumOff val="25000"/>
-                  </a:schemeClr>
-                </a:solidFill>
-                <a:latin typeface="+mn-lt"/>
-                <a:ea typeface="+mn-ea"/>
-                <a:cs typeface="+mn-cs"/>
-              </a:defRPr>
-            </a:lvl4pPr>
-            <a:lvl5pPr marL="2057400" indent="-228600" algn="l" defTabSz="457200" rtl="0" eaLnBrk="1" latinLnBrk="0" hangingPunct="1">
-              <a:spcBef>
-                <a:spcPts val="1000"/>
-              </a:spcBef>
-              <a:spcAft>
-                <a:spcPts val="0"/>
-              </a:spcAft>
-              <a:buClr>
-                <a:schemeClr val="accent1"/>
-              </a:buClr>
-              <a:buFont typeface="Wingdings 3" charset="2"/>
-              <a:buChar char=""/>
-              <a:defRPr sz="1200" kern="1200">
-                <a:solidFill>
-                  <a:schemeClr val="tx1">
-                    <a:lumMod val="75000"/>
-                    <a:lumOff val="25000"/>
-                  </a:schemeClr>
-                </a:solidFill>
-                <a:latin typeface="+mn-lt"/>
-                <a:ea typeface="+mn-ea"/>
-                <a:cs typeface="+mn-cs"/>
-              </a:defRPr>
-            </a:lvl5pPr>
-            <a:lvl6pPr marL="2514600" indent="-228600" algn="l" defTabSz="457200" rtl="0" eaLnBrk="1" latinLnBrk="0" hangingPunct="1">
-              <a:spcBef>
-                <a:spcPts val="1000"/>
-              </a:spcBef>
-              <a:spcAft>
-                <a:spcPts val="0"/>
-              </a:spcAft>
-              <a:buClr>
-                <a:schemeClr val="accent1"/>
-              </a:buClr>
-              <a:buFont typeface="Wingdings 3" charset="2"/>
-              <a:buChar char=""/>
-              <a:defRPr sz="1200" kern="1200">
-                <a:solidFill>
-                  <a:schemeClr val="tx1">
-                    <a:lumMod val="75000"/>
-                    <a:lumOff val="25000"/>
-                  </a:schemeClr>
-                </a:solidFill>
-                <a:latin typeface="+mn-lt"/>
-                <a:ea typeface="+mn-ea"/>
-                <a:cs typeface="+mn-cs"/>
-              </a:defRPr>
-            </a:lvl6pPr>
-            <a:lvl7pPr marL="2971800" indent="-228600" algn="l" defTabSz="457200" rtl="0" eaLnBrk="1" latinLnBrk="0" hangingPunct="1">
-              <a:spcBef>
-                <a:spcPts val="1000"/>
-              </a:spcBef>
-              <a:spcAft>
-                <a:spcPts val="0"/>
-              </a:spcAft>
-              <a:buClr>
-                <a:schemeClr val="accent1"/>
-              </a:buClr>
-              <a:buFont typeface="Wingdings 3" charset="2"/>
-              <a:buChar char=""/>
-              <a:defRPr sz="1200" kern="1200">
-                <a:solidFill>
-                  <a:schemeClr val="tx1">
-                    <a:lumMod val="75000"/>
-                    <a:lumOff val="25000"/>
-                  </a:schemeClr>
-                </a:solidFill>
-                <a:latin typeface="+mn-lt"/>
-                <a:ea typeface="+mn-ea"/>
-                <a:cs typeface="+mn-cs"/>
-              </a:defRPr>
-            </a:lvl7pPr>
-            <a:lvl8pPr marL="3429000" indent="-228600" algn="l" defTabSz="457200" rtl="0" eaLnBrk="1" latinLnBrk="0" hangingPunct="1">
-              <a:spcBef>
-                <a:spcPts val="1000"/>
-              </a:spcBef>
-              <a:spcAft>
-                <a:spcPts val="0"/>
-              </a:spcAft>
-              <a:buClr>
-                <a:schemeClr val="accent1"/>
-              </a:buClr>
-              <a:buFont typeface="Wingdings 3" charset="2"/>
-              <a:buChar char=""/>
-              <a:defRPr sz="1200" kern="1200">
-                <a:solidFill>
-                  <a:schemeClr val="tx1">
-                    <a:lumMod val="75000"/>
-                    <a:lumOff val="25000"/>
-                  </a:schemeClr>
-                </a:solidFill>
-                <a:latin typeface="+mn-lt"/>
-                <a:ea typeface="+mn-ea"/>
-                <a:cs typeface="+mn-cs"/>
-              </a:defRPr>
-            </a:lvl8pPr>
-            <a:lvl9pPr marL="3886200" indent="-228600" algn="l" defTabSz="457200" rtl="0" eaLnBrk="1" latinLnBrk="0" hangingPunct="1">
-              <a:spcBef>
-                <a:spcPts val="1000"/>
-              </a:spcBef>
-              <a:spcAft>
-                <a:spcPts val="0"/>
-              </a:spcAft>
-              <a:buClr>
-                <a:schemeClr val="accent1"/>
-              </a:buClr>
-              <a:buFont typeface="Wingdings 3" charset="2"/>
-              <a:buChar char=""/>
-              <a:defRPr sz="1200" kern="1200">
-                <a:solidFill>
-                  <a:schemeClr val="tx1">
-                    <a:lumMod val="75000"/>
-                    <a:lumOff val="25000"/>
-                  </a:schemeClr>
-                </a:solidFill>
-                <a:latin typeface="+mn-lt"/>
-                <a:ea typeface="+mn-ea"/>
-                <a:cs typeface="+mn-cs"/>
-              </a:defRPr>
-            </a:lvl9pPr>
-          </a:lstStyle>
-          <a:p>
-            <a:r>
-              <a:rPr lang="vi-VN">
-                <a:latin typeface="Times New Roman" panose="02020603050405020304" pitchFamily="18" charset="0"/>
-                <a:cs typeface="Times New Roman" panose="02020603050405020304" pitchFamily="18" charset="0"/>
-              </a:rPr>
-              <a:t>jQuery là một thư viện </a:t>
-            </a:r>
-            <a:r>
-              <a:rPr lang="en-US">
-                <a:latin typeface="Times New Roman" panose="02020603050405020304" pitchFamily="18" charset="0"/>
-                <a:cs typeface="Times New Roman" panose="02020603050405020304" pitchFamily="18" charset="0"/>
-              </a:rPr>
-              <a:t>JavaScript</a:t>
-            </a:r>
-            <a:r>
-              <a:rPr lang="vi-VN">
-                <a:latin typeface="Times New Roman" panose="02020603050405020304" pitchFamily="18" charset="0"/>
-                <a:cs typeface="Times New Roman" panose="02020603050405020304" pitchFamily="18" charset="0"/>
-              </a:rPr>
-              <a:t> gọn nhẹ, giúp các lập trình viên</a:t>
-            </a:r>
-            <a:r>
-              <a:rPr lang="en-US">
-                <a:latin typeface="Times New Roman" panose="02020603050405020304" pitchFamily="18" charset="0"/>
-                <a:cs typeface="Times New Roman" panose="02020603050405020304" pitchFamily="18" charset="0"/>
-              </a:rPr>
-              <a:t> “Write less, do more” (viết ít, đ</a:t>
-            </a:r>
-            <a:r>
-              <a:rPr lang="vi-VN">
-                <a:latin typeface="Times New Roman" panose="02020603050405020304" pitchFamily="18" charset="0"/>
-                <a:cs typeface="Times New Roman" panose="02020603050405020304" pitchFamily="18" charset="0"/>
-              </a:rPr>
-              <a:t>ư</a:t>
-            </a:r>
-            <a:r>
-              <a:rPr lang="en-US">
-                <a:latin typeface="Times New Roman" panose="02020603050405020304" pitchFamily="18" charset="0"/>
-                <a:cs typeface="Times New Roman" panose="02020603050405020304" pitchFamily="18" charset="0"/>
-              </a:rPr>
-              <a:t>ợc nhiều).</a:t>
-            </a:r>
-          </a:p>
-          <a:p>
-            <a:r>
-              <a:rPr lang="en-US">
-                <a:latin typeface="Times New Roman" panose="02020603050405020304" pitchFamily="18" charset="0"/>
-                <a:cs typeface="Times New Roman" panose="02020603050405020304" pitchFamily="18" charset="0"/>
-              </a:rPr>
-              <a:t>AJAX - "Asynchronous JavaScript and XML" - là một bộ công cụ cho phép load dữ liệu từ server mà không yêu cầu tải lại trang. Nó sử dụng chức năng sẵn có XMLHttpRequest(XHR) của trình duyệt để thực hiện một yêu cầu đến server và xử lý dữ liệu server trả về.</a:t>
-            </a:r>
-          </a:p>
-          <a:p>
-            <a:r>
-              <a:rPr lang="vi-VN">
-                <a:latin typeface="Times New Roman" panose="02020603050405020304" pitchFamily="18" charset="0"/>
-                <a:cs typeface="Times New Roman" panose="02020603050405020304" pitchFamily="18" charset="0"/>
-              </a:rPr>
-              <a:t>jQuery cung cấp method $.ajax và một số methods tiện lợi giúp làm việc với XHRs thông qua trình duyệt một cách dễ dàng hơn.</a:t>
-            </a:r>
-            <a:endParaRPr lang="en-US">
-              <a:latin typeface="Times New Roman" panose="02020603050405020304" pitchFamily="18" charset="0"/>
-              <a:cs typeface="Times New Roman" panose="02020603050405020304" pitchFamily="18" charset="0"/>
-            </a:endParaRPr>
-          </a:p>
-          <a:p>
-            <a:endParaRPr lang="en-US" sz="1600">
-              <a:latin typeface="Times New Roman" panose="02020603050405020304" pitchFamily="18" charset="0"/>
-              <a:cs typeface="Times New Roman" panose="02020603050405020304" pitchFamily="18" charset="0"/>
-            </a:endParaRPr>
-          </a:p>
-        </p:txBody>
-      </p:sp>
+          <p:cNvGraphicFramePr/>
+          <p:nvPr>
+            <p:extLst>
+              <p:ext uri="{D42A27DB-BD31-4B8C-83A1-F6EECF244321}">
+                <p14:modId xmlns:p14="http://schemas.microsoft.com/office/powerpoint/2010/main" val="2757646902"/>
+              </p:ext>
+            </p:extLst>
+          </p:nvPr>
+        </p:nvGraphicFramePr>
+        <p:xfrm>
+          <a:off x="1604962" y="1804086"/>
+          <a:ext cx="8675860" cy="4077730"/>
+        </p:xfrm>
+        <a:graphic>
+          <a:graphicData uri="http://schemas.openxmlformats.org/drawingml/2006/diagram">
+            <dgm:relIds xmlns:dgm="http://schemas.openxmlformats.org/drawingml/2006/diagram" xmlns:r="http://schemas.openxmlformats.org/officeDocument/2006/relationships" r:dm="rId7" r:lo="rId8" r:qs="rId9" r:cs="rId10"/>
+          </a:graphicData>
+        </a:graphic>
+      </p:graphicFrame>
     </p:spTree>
     <p:extLst>
       <p:ext uri="{BB962C8B-B14F-4D97-AF65-F5344CB8AC3E}">
-        <p14:creationId xmlns:p14="http://schemas.microsoft.com/office/powerpoint/2010/main" val="356950758"/>
+        <p14:creationId xmlns:p14="http://schemas.microsoft.com/office/powerpoint/2010/main" val="2981676347"/>
       </p:ext>
     </p:extLst>
   </p:cSld>
